--- a/2 am/معالج النصوص 1/4 تنظيم الوثيقة/cours 11/عرض الدرس.pptx
+++ b/2 am/معالج النصوص 1/4 تنظيم الوثيقة/cours 11/عرض الدرس.pptx
@@ -5,14 +5,19 @@
     <p:sldMasterId id="2147483648" r:id="rId1"/>
   </p:sldMasterIdLst>
   <p:notesMasterIdLst>
-    <p:notesMasterId r:id="rId7"/>
+    <p:notesMasterId r:id="rId12"/>
   </p:notesMasterIdLst>
   <p:sldIdLst>
     <p:sldId id="256" r:id="rId2"/>
     <p:sldId id="257" r:id="rId3"/>
-    <p:sldId id="269" r:id="rId4"/>
-    <p:sldId id="268" r:id="rId5"/>
-    <p:sldId id="266" r:id="rId6"/>
+    <p:sldId id="270" r:id="rId4"/>
+    <p:sldId id="271" r:id="rId5"/>
+    <p:sldId id="269" r:id="rId6"/>
+    <p:sldId id="272" r:id="rId7"/>
+    <p:sldId id="273" r:id="rId8"/>
+    <p:sldId id="268" r:id="rId9"/>
+    <p:sldId id="274" r:id="rId10"/>
+    <p:sldId id="266" r:id="rId11"/>
   </p:sldIdLst>
   <p:sldSz cx="12192000" cy="6858000"/>
   <p:notesSz cx="6858000" cy="9144000"/>
@@ -201,7 +206,7 @@
           <a:p>
             <a:fld id="{04809ED0-CAD5-44E1-91E8-3616676F7223}" type="datetimeFigureOut">
               <a:rPr lang="fr-FR" smtClean="0"/>
-              <a:t>22/02/2025</a:t>
+              <a:t>08/04/2025</a:t>
             </a:fld>
             <a:endParaRPr lang="fr-FR"/>
           </a:p>
@@ -627,7 +632,343 @@
     </p:spTree>
     <p:extLst>
       <p:ext uri="{BB962C8B-B14F-4D97-AF65-F5344CB8AC3E}">
+        <p14:creationId xmlns:p14="http://schemas.microsoft.com/office/powerpoint/2010/main" val="337666301"/>
+      </p:ext>
+    </p:extLst>
+  </p:cSld>
+  <p:clrMapOvr>
+    <a:masterClrMapping/>
+  </p:clrMapOvr>
+</p:notes>
+</file>
+
+<file path=ppt/notesSlides/notesSlide3.xml><?xml version="1.0" encoding="utf-8"?>
+<p:notes xmlns:a="http://schemas.openxmlformats.org/drawingml/2006/main" xmlns:r="http://schemas.openxmlformats.org/officeDocument/2006/relationships" xmlns:p="http://schemas.openxmlformats.org/presentationml/2006/main">
+  <p:cSld>
+    <p:spTree>
+      <p:nvGrpSpPr>
+        <p:cNvPr id="1" name=""/>
+        <p:cNvGrpSpPr/>
+        <p:nvPr/>
+      </p:nvGrpSpPr>
+      <p:grpSpPr>
+        <a:xfrm>
+          <a:off x="0" y="0"/>
+          <a:ext cx="0" cy="0"/>
+          <a:chOff x="0" y="0"/>
+          <a:chExt cx="0" cy="0"/>
+        </a:xfrm>
+      </p:grpSpPr>
+      <p:sp>
+        <p:nvSpPr>
+          <p:cNvPr id="2" name="Espace réservé de l'image des diapositives 1"/>
+          <p:cNvSpPr>
+            <a:spLocks noGrp="1" noRot="1" noChangeAspect="1"/>
+          </p:cNvSpPr>
+          <p:nvPr>
+            <p:ph type="sldImg"/>
+          </p:nvPr>
+        </p:nvSpPr>
+        <p:spPr/>
+      </p:sp>
+      <p:sp>
+        <p:nvSpPr>
+          <p:cNvPr id="3" name="Espace réservé des commentaires 2"/>
+          <p:cNvSpPr>
+            <a:spLocks noGrp="1"/>
+          </p:cNvSpPr>
+          <p:nvPr>
+            <p:ph type="body" idx="1"/>
+          </p:nvPr>
+        </p:nvSpPr>
+        <p:spPr/>
+        <p:txBody>
+          <a:bodyPr/>
+          <a:lstStyle/>
+          <a:p>
+            <a:endParaRPr lang="fr-FR" dirty="0"/>
+          </a:p>
+        </p:txBody>
+      </p:sp>
+      <p:sp>
+        <p:nvSpPr>
+          <p:cNvPr id="4" name="Espace réservé du numéro de diapositive 3"/>
+          <p:cNvSpPr>
+            <a:spLocks noGrp="1"/>
+          </p:cNvSpPr>
+          <p:nvPr>
+            <p:ph type="sldNum" sz="quarter" idx="10"/>
+          </p:nvPr>
+        </p:nvSpPr>
+        <p:spPr/>
+        <p:txBody>
+          <a:bodyPr/>
+          <a:lstStyle/>
+          <a:p>
+            <a:fld id="{026C633B-D051-4BE3-A8CB-7736F551B52D}" type="slidenum">
+              <a:rPr lang="fr-FR" smtClean="0"/>
+              <a:t>4</a:t>
+            </a:fld>
+            <a:endParaRPr lang="fr-FR"/>
+          </a:p>
+        </p:txBody>
+      </p:sp>
+    </p:spTree>
+    <p:extLst>
+      <p:ext uri="{BB962C8B-B14F-4D97-AF65-F5344CB8AC3E}">
+        <p14:creationId xmlns:p14="http://schemas.microsoft.com/office/powerpoint/2010/main" val="3334261325"/>
+      </p:ext>
+    </p:extLst>
+  </p:cSld>
+  <p:clrMapOvr>
+    <a:masterClrMapping/>
+  </p:clrMapOvr>
+</p:notes>
+</file>
+
+<file path=ppt/notesSlides/notesSlide4.xml><?xml version="1.0" encoding="utf-8"?>
+<p:notes xmlns:a="http://schemas.openxmlformats.org/drawingml/2006/main" xmlns:r="http://schemas.openxmlformats.org/officeDocument/2006/relationships" xmlns:p="http://schemas.openxmlformats.org/presentationml/2006/main">
+  <p:cSld>
+    <p:spTree>
+      <p:nvGrpSpPr>
+        <p:cNvPr id="1" name=""/>
+        <p:cNvGrpSpPr/>
+        <p:nvPr/>
+      </p:nvGrpSpPr>
+      <p:grpSpPr>
+        <a:xfrm>
+          <a:off x="0" y="0"/>
+          <a:ext cx="0" cy="0"/>
+          <a:chOff x="0" y="0"/>
+          <a:chExt cx="0" cy="0"/>
+        </a:xfrm>
+      </p:grpSpPr>
+      <p:sp>
+        <p:nvSpPr>
+          <p:cNvPr id="2" name="Espace réservé de l'image des diapositives 1"/>
+          <p:cNvSpPr>
+            <a:spLocks noGrp="1" noRot="1" noChangeAspect="1"/>
+          </p:cNvSpPr>
+          <p:nvPr>
+            <p:ph type="sldImg"/>
+          </p:nvPr>
+        </p:nvSpPr>
+        <p:spPr/>
+      </p:sp>
+      <p:sp>
+        <p:nvSpPr>
+          <p:cNvPr id="3" name="Espace réservé des commentaires 2"/>
+          <p:cNvSpPr>
+            <a:spLocks noGrp="1"/>
+          </p:cNvSpPr>
+          <p:nvPr>
+            <p:ph type="body" idx="1"/>
+          </p:nvPr>
+        </p:nvSpPr>
+        <p:spPr/>
+        <p:txBody>
+          <a:bodyPr/>
+          <a:lstStyle/>
+          <a:p>
+            <a:endParaRPr lang="fr-FR" dirty="0"/>
+          </a:p>
+        </p:txBody>
+      </p:sp>
+      <p:sp>
+        <p:nvSpPr>
+          <p:cNvPr id="4" name="Espace réservé du numéro de diapositive 3"/>
+          <p:cNvSpPr>
+            <a:spLocks noGrp="1"/>
+          </p:cNvSpPr>
+          <p:nvPr>
+            <p:ph type="sldNum" sz="quarter" idx="10"/>
+          </p:nvPr>
+        </p:nvSpPr>
+        <p:spPr/>
+        <p:txBody>
+          <a:bodyPr/>
+          <a:lstStyle/>
+          <a:p>
+            <a:fld id="{026C633B-D051-4BE3-A8CB-7736F551B52D}" type="slidenum">
+              <a:rPr lang="fr-FR" smtClean="0"/>
+              <a:t>5</a:t>
+            </a:fld>
+            <a:endParaRPr lang="fr-FR"/>
+          </a:p>
+        </p:txBody>
+      </p:sp>
+    </p:spTree>
+    <p:extLst>
+      <p:ext uri="{BB962C8B-B14F-4D97-AF65-F5344CB8AC3E}">
         <p14:creationId xmlns:p14="http://schemas.microsoft.com/office/powerpoint/2010/main" val="1267946293"/>
+      </p:ext>
+    </p:extLst>
+  </p:cSld>
+  <p:clrMapOvr>
+    <a:masterClrMapping/>
+  </p:clrMapOvr>
+</p:notes>
+</file>
+
+<file path=ppt/notesSlides/notesSlide5.xml><?xml version="1.0" encoding="utf-8"?>
+<p:notes xmlns:a="http://schemas.openxmlformats.org/drawingml/2006/main" xmlns:r="http://schemas.openxmlformats.org/officeDocument/2006/relationships" xmlns:p="http://schemas.openxmlformats.org/presentationml/2006/main">
+  <p:cSld>
+    <p:spTree>
+      <p:nvGrpSpPr>
+        <p:cNvPr id="1" name=""/>
+        <p:cNvGrpSpPr/>
+        <p:nvPr/>
+      </p:nvGrpSpPr>
+      <p:grpSpPr>
+        <a:xfrm>
+          <a:off x="0" y="0"/>
+          <a:ext cx="0" cy="0"/>
+          <a:chOff x="0" y="0"/>
+          <a:chExt cx="0" cy="0"/>
+        </a:xfrm>
+      </p:grpSpPr>
+      <p:sp>
+        <p:nvSpPr>
+          <p:cNvPr id="2" name="Espace réservé de l'image des diapositives 1"/>
+          <p:cNvSpPr>
+            <a:spLocks noGrp="1" noRot="1" noChangeAspect="1"/>
+          </p:cNvSpPr>
+          <p:nvPr>
+            <p:ph type="sldImg"/>
+          </p:nvPr>
+        </p:nvSpPr>
+        <p:spPr/>
+      </p:sp>
+      <p:sp>
+        <p:nvSpPr>
+          <p:cNvPr id="3" name="Espace réservé des commentaires 2"/>
+          <p:cNvSpPr>
+            <a:spLocks noGrp="1"/>
+          </p:cNvSpPr>
+          <p:nvPr>
+            <p:ph type="body" idx="1"/>
+          </p:nvPr>
+        </p:nvSpPr>
+        <p:spPr/>
+        <p:txBody>
+          <a:bodyPr/>
+          <a:lstStyle/>
+          <a:p>
+            <a:endParaRPr lang="fr-FR" dirty="0"/>
+          </a:p>
+        </p:txBody>
+      </p:sp>
+      <p:sp>
+        <p:nvSpPr>
+          <p:cNvPr id="4" name="Espace réservé du numéro de diapositive 3"/>
+          <p:cNvSpPr>
+            <a:spLocks noGrp="1"/>
+          </p:cNvSpPr>
+          <p:nvPr>
+            <p:ph type="sldNum" sz="quarter" idx="10"/>
+          </p:nvPr>
+        </p:nvSpPr>
+        <p:spPr/>
+        <p:txBody>
+          <a:bodyPr/>
+          <a:lstStyle/>
+          <a:p>
+            <a:fld id="{026C633B-D051-4BE3-A8CB-7736F551B52D}" type="slidenum">
+              <a:rPr lang="fr-FR" smtClean="0"/>
+              <a:t>6</a:t>
+            </a:fld>
+            <a:endParaRPr lang="fr-FR"/>
+          </a:p>
+        </p:txBody>
+      </p:sp>
+    </p:spTree>
+    <p:extLst>
+      <p:ext uri="{BB962C8B-B14F-4D97-AF65-F5344CB8AC3E}">
+        <p14:creationId xmlns:p14="http://schemas.microsoft.com/office/powerpoint/2010/main" val="1526829722"/>
+      </p:ext>
+    </p:extLst>
+  </p:cSld>
+  <p:clrMapOvr>
+    <a:masterClrMapping/>
+  </p:clrMapOvr>
+</p:notes>
+</file>
+
+<file path=ppt/notesSlides/notesSlide6.xml><?xml version="1.0" encoding="utf-8"?>
+<p:notes xmlns:a="http://schemas.openxmlformats.org/drawingml/2006/main" xmlns:r="http://schemas.openxmlformats.org/officeDocument/2006/relationships" xmlns:p="http://schemas.openxmlformats.org/presentationml/2006/main">
+  <p:cSld>
+    <p:spTree>
+      <p:nvGrpSpPr>
+        <p:cNvPr id="1" name=""/>
+        <p:cNvGrpSpPr/>
+        <p:nvPr/>
+      </p:nvGrpSpPr>
+      <p:grpSpPr>
+        <a:xfrm>
+          <a:off x="0" y="0"/>
+          <a:ext cx="0" cy="0"/>
+          <a:chOff x="0" y="0"/>
+          <a:chExt cx="0" cy="0"/>
+        </a:xfrm>
+      </p:grpSpPr>
+      <p:sp>
+        <p:nvSpPr>
+          <p:cNvPr id="2" name="Espace réservé de l'image des diapositives 1"/>
+          <p:cNvSpPr>
+            <a:spLocks noGrp="1" noRot="1" noChangeAspect="1"/>
+          </p:cNvSpPr>
+          <p:nvPr>
+            <p:ph type="sldImg"/>
+          </p:nvPr>
+        </p:nvSpPr>
+        <p:spPr/>
+      </p:sp>
+      <p:sp>
+        <p:nvSpPr>
+          <p:cNvPr id="3" name="Espace réservé des commentaires 2"/>
+          <p:cNvSpPr>
+            <a:spLocks noGrp="1"/>
+          </p:cNvSpPr>
+          <p:nvPr>
+            <p:ph type="body" idx="1"/>
+          </p:nvPr>
+        </p:nvSpPr>
+        <p:spPr/>
+        <p:txBody>
+          <a:bodyPr/>
+          <a:lstStyle/>
+          <a:p>
+            <a:endParaRPr lang="fr-FR" dirty="0"/>
+          </a:p>
+        </p:txBody>
+      </p:sp>
+      <p:sp>
+        <p:nvSpPr>
+          <p:cNvPr id="4" name="Espace réservé du numéro de diapositive 3"/>
+          <p:cNvSpPr>
+            <a:spLocks noGrp="1"/>
+          </p:cNvSpPr>
+          <p:nvPr>
+            <p:ph type="sldNum" sz="quarter" idx="10"/>
+          </p:nvPr>
+        </p:nvSpPr>
+        <p:spPr/>
+        <p:txBody>
+          <a:bodyPr/>
+          <a:lstStyle/>
+          <a:p>
+            <a:fld id="{026C633B-D051-4BE3-A8CB-7736F551B52D}" type="slidenum">
+              <a:rPr lang="fr-FR" smtClean="0"/>
+              <a:t>7</a:t>
+            </a:fld>
+            <a:endParaRPr lang="fr-FR"/>
+          </a:p>
+        </p:txBody>
+      </p:sp>
+    </p:spTree>
+    <p:extLst>
+      <p:ext uri="{BB962C8B-B14F-4D97-AF65-F5344CB8AC3E}">
+        <p14:creationId xmlns:p14="http://schemas.microsoft.com/office/powerpoint/2010/main" val="913075849"/>
       </p:ext>
     </p:extLst>
   </p:cSld>
@@ -768,7 +1109,7 @@
           <a:p>
             <a:fld id="{16B4F739-B7D4-4EFD-BF14-44542778AB9F}" type="datetimeFigureOut">
               <a:rPr lang="fr-FR" smtClean="0"/>
-              <a:t>22/02/2025</a:t>
+              <a:t>08/04/2025</a:t>
             </a:fld>
             <a:endParaRPr lang="fr-FR"/>
           </a:p>
@@ -938,7 +1279,7 @@
           <a:p>
             <a:fld id="{16B4F739-B7D4-4EFD-BF14-44542778AB9F}" type="datetimeFigureOut">
               <a:rPr lang="fr-FR" smtClean="0"/>
-              <a:t>22/02/2025</a:t>
+              <a:t>08/04/2025</a:t>
             </a:fld>
             <a:endParaRPr lang="fr-FR"/>
           </a:p>
@@ -1118,7 +1459,7 @@
           <a:p>
             <a:fld id="{16B4F739-B7D4-4EFD-BF14-44542778AB9F}" type="datetimeFigureOut">
               <a:rPr lang="fr-FR" smtClean="0"/>
-              <a:t>22/02/2025</a:t>
+              <a:t>08/04/2025</a:t>
             </a:fld>
             <a:endParaRPr lang="fr-FR"/>
           </a:p>
@@ -1288,7 +1629,7 @@
           <a:p>
             <a:fld id="{16B4F739-B7D4-4EFD-BF14-44542778AB9F}" type="datetimeFigureOut">
               <a:rPr lang="fr-FR" smtClean="0"/>
-              <a:t>22/02/2025</a:t>
+              <a:t>08/04/2025</a:t>
             </a:fld>
             <a:endParaRPr lang="fr-FR"/>
           </a:p>
@@ -1534,7 +1875,7 @@
           <a:p>
             <a:fld id="{16B4F739-B7D4-4EFD-BF14-44542778AB9F}" type="datetimeFigureOut">
               <a:rPr lang="fr-FR" smtClean="0"/>
-              <a:t>22/02/2025</a:t>
+              <a:t>08/04/2025</a:t>
             </a:fld>
             <a:endParaRPr lang="fr-FR"/>
           </a:p>
@@ -1766,7 +2107,7 @@
           <a:p>
             <a:fld id="{16B4F739-B7D4-4EFD-BF14-44542778AB9F}" type="datetimeFigureOut">
               <a:rPr lang="fr-FR" smtClean="0"/>
-              <a:t>22/02/2025</a:t>
+              <a:t>08/04/2025</a:t>
             </a:fld>
             <a:endParaRPr lang="fr-FR"/>
           </a:p>
@@ -2133,7 +2474,7 @@
           <a:p>
             <a:fld id="{16B4F739-B7D4-4EFD-BF14-44542778AB9F}" type="datetimeFigureOut">
               <a:rPr lang="fr-FR" smtClean="0"/>
-              <a:t>22/02/2025</a:t>
+              <a:t>08/04/2025</a:t>
             </a:fld>
             <a:endParaRPr lang="fr-FR"/>
           </a:p>
@@ -2251,7 +2592,7 @@
           <a:p>
             <a:fld id="{16B4F739-B7D4-4EFD-BF14-44542778AB9F}" type="datetimeFigureOut">
               <a:rPr lang="fr-FR" smtClean="0"/>
-              <a:t>22/02/2025</a:t>
+              <a:t>08/04/2025</a:t>
             </a:fld>
             <a:endParaRPr lang="fr-FR"/>
           </a:p>
@@ -2346,7 +2687,7 @@
           <a:p>
             <a:fld id="{16B4F739-B7D4-4EFD-BF14-44542778AB9F}" type="datetimeFigureOut">
               <a:rPr lang="fr-FR" smtClean="0"/>
-              <a:t>22/02/2025</a:t>
+              <a:t>08/04/2025</a:t>
             </a:fld>
             <a:endParaRPr lang="fr-FR"/>
           </a:p>
@@ -2623,7 +2964,7 @@
           <a:p>
             <a:fld id="{16B4F739-B7D4-4EFD-BF14-44542778AB9F}" type="datetimeFigureOut">
               <a:rPr lang="fr-FR" smtClean="0"/>
-              <a:t>22/02/2025</a:t>
+              <a:t>08/04/2025</a:t>
             </a:fld>
             <a:endParaRPr lang="fr-FR"/>
           </a:p>
@@ -2876,7 +3217,7 @@
           <a:p>
             <a:fld id="{16B4F739-B7D4-4EFD-BF14-44542778AB9F}" type="datetimeFigureOut">
               <a:rPr lang="fr-FR" smtClean="0"/>
-              <a:t>22/02/2025</a:t>
+              <a:t>08/04/2025</a:t>
             </a:fld>
             <a:endParaRPr lang="fr-FR"/>
           </a:p>
@@ -3119,7 +3460,7 @@
           <a:p>
             <a:fld id="{16B4F739-B7D4-4EFD-BF14-44542778AB9F}" type="datetimeFigureOut">
               <a:rPr lang="fr-FR" smtClean="0"/>
-              <a:t>22/02/2025</a:t>
+              <a:t>08/04/2025</a:t>
             </a:fld>
             <a:endParaRPr lang="fr-FR"/>
           </a:p>
@@ -3618,62 +3959,26 @@
             </a:pPr>
             <a:r>
               <a:rPr lang="ar-DZ" sz="3600" dirty="0" smtClean="0"/>
-              <a:t>التبويب </a:t>
+              <a:t>كيف </a:t>
             </a:r>
             <a:r>
               <a:rPr lang="ar-DZ" sz="3600" dirty="0"/>
-              <a:t>الذي يسمح بإدراج جداول، أشكال، صور و نص فني هو </a:t>
-            </a:r>
-            <a:endParaRPr lang="ar-DZ" sz="3600" dirty="0" smtClean="0"/>
-          </a:p>
-          <a:p>
-            <a:pPr lvl="1" algn="r" rtl="1"/>
+              <a:t>يمكن إدراج رموز ؟ </a:t>
+            </a:r>
+          </a:p>
+          <a:p>
+            <a:pPr marL="571500" indent="-571500" algn="r" rtl="1">
+              <a:buFont typeface="Wingdings" panose="05000000000000000000" pitchFamily="2" charset="2"/>
+              <a:buChar char="Ø"/>
+            </a:pPr>
             <a:r>
               <a:rPr lang="ar-DZ" sz="3600" dirty="0" smtClean="0"/>
-              <a:t>.....................</a:t>
-            </a:r>
-            <a:endParaRPr lang="ar-DZ" sz="3600" dirty="0"/>
-          </a:p>
-        </p:txBody>
-      </p:sp>
-      <p:sp>
-        <p:nvSpPr>
-          <p:cNvPr id="3" name="ZoneTexte 2"/>
-          <p:cNvSpPr txBox="1"/>
-          <p:nvPr/>
-        </p:nvSpPr>
-        <p:spPr>
-          <a:xfrm>
-            <a:off x="8587409" y="2288679"/>
-            <a:ext cx="2703444" cy="646331"/>
-          </a:xfrm>
-          <a:prstGeom prst="rect">
-            <a:avLst/>
-          </a:prstGeom>
-          <a:solidFill>
-            <a:schemeClr val="bg1"/>
-          </a:solidFill>
-        </p:spPr>
-        <p:txBody>
-          <a:bodyPr wrap="square" rtlCol="0">
-            <a:spAutoFit/>
-          </a:bodyPr>
-          <a:lstStyle/>
-          <a:p>
-            <a:pPr algn="ctr"/>
-            <a:r>
-              <a:rPr lang="fr-FR" sz="3600" b="1" dirty="0" smtClean="0">
-                <a:solidFill>
-                  <a:srgbClr val="FF0000"/>
-                </a:solidFill>
-              </a:rPr>
-              <a:t>Insertion</a:t>
-            </a:r>
-            <a:endParaRPr lang="fr-FR" sz="3600" b="1" dirty="0">
-              <a:solidFill>
-                <a:srgbClr val="FF0000"/>
-              </a:solidFill>
-            </a:endParaRPr>
+              <a:t>كيف </a:t>
+            </a:r>
+            <a:r>
+              <a:rPr lang="ar-DZ" sz="3600" dirty="0"/>
+              <a:t>يمكن إدراج عبارة رياضية ؟</a:t>
+            </a:r>
           </a:p>
         </p:txBody>
       </p:sp>
@@ -3690,134 +3995,210 @@
   <p:timing>
     <p:tnLst>
       <p:par>
-        <p:cTn id="1" dur="indefinite" restart="never" nodeType="tmRoot">
-          <p:childTnLst>
-            <p:seq concurrent="1" nextAc="seek">
-              <p:cTn id="2" dur="indefinite" nodeType="mainSeq">
-                <p:childTnLst>
-                  <p:par>
-                    <p:cTn id="3" fill="hold">
-                      <p:stCondLst>
-                        <p:cond delay="indefinite"/>
-                      </p:stCondLst>
-                      <p:childTnLst>
-                        <p:par>
-                          <p:cTn id="4" fill="hold">
-                            <p:stCondLst>
-                              <p:cond delay="0"/>
-                            </p:stCondLst>
-                            <p:childTnLst>
-                              <p:par>
-                                <p:cTn id="5" presetID="42" presetClass="entr" presetSubtype="0" fill="hold" grpId="0" nodeType="clickEffect">
-                                  <p:stCondLst>
-                                    <p:cond delay="0"/>
-                                  </p:stCondLst>
-                                  <p:childTnLst>
-                                    <p:set>
-                                      <p:cBhvr>
-                                        <p:cTn id="6" dur="1" fill="hold">
-                                          <p:stCondLst>
-                                            <p:cond delay="0"/>
-                                          </p:stCondLst>
-                                        </p:cTn>
-                                        <p:tgtEl>
-                                          <p:spTgt spid="3"/>
-                                        </p:tgtEl>
-                                        <p:attrNameLst>
-                                          <p:attrName>style.visibility</p:attrName>
-                                        </p:attrNameLst>
-                                      </p:cBhvr>
-                                      <p:to>
-                                        <p:strVal val="visible"/>
-                                      </p:to>
-                                    </p:set>
-                                    <p:animEffect transition="in" filter="fade">
-                                      <p:cBhvr>
-                                        <p:cTn id="7" dur="1000"/>
-                                        <p:tgtEl>
-                                          <p:spTgt spid="3"/>
-                                        </p:tgtEl>
-                                      </p:cBhvr>
-                                    </p:animEffect>
-                                    <p:anim calcmode="lin" valueType="num">
-                                      <p:cBhvr>
-                                        <p:cTn id="8" dur="1000" fill="hold"/>
-                                        <p:tgtEl>
-                                          <p:spTgt spid="3"/>
-                                        </p:tgtEl>
-                                        <p:attrNameLst>
-                                          <p:attrName>ppt_x</p:attrName>
-                                        </p:attrNameLst>
-                                      </p:cBhvr>
-                                      <p:tavLst>
-                                        <p:tav tm="0">
-                                          <p:val>
-                                            <p:strVal val="#ppt_x"/>
-                                          </p:val>
-                                        </p:tav>
-                                        <p:tav tm="100000">
-                                          <p:val>
-                                            <p:strVal val="#ppt_x"/>
-                                          </p:val>
-                                        </p:tav>
-                                      </p:tavLst>
-                                    </p:anim>
-                                    <p:anim calcmode="lin" valueType="num">
-                                      <p:cBhvr>
-                                        <p:cTn id="9" dur="1000" fill="hold"/>
-                                        <p:tgtEl>
-                                          <p:spTgt spid="3"/>
-                                        </p:tgtEl>
-                                        <p:attrNameLst>
-                                          <p:attrName>ppt_y</p:attrName>
-                                        </p:attrNameLst>
-                                      </p:cBhvr>
-                                      <p:tavLst>
-                                        <p:tav tm="0">
-                                          <p:val>
-                                            <p:strVal val="#ppt_y+.1"/>
-                                          </p:val>
-                                        </p:tav>
-                                        <p:tav tm="100000">
-                                          <p:val>
-                                            <p:strVal val="#ppt_y"/>
-                                          </p:val>
-                                        </p:tav>
-                                      </p:tavLst>
-                                    </p:anim>
-                                  </p:childTnLst>
-                                </p:cTn>
-                              </p:par>
-                            </p:childTnLst>
-                          </p:cTn>
-                        </p:par>
-                      </p:childTnLst>
-                    </p:cTn>
-                  </p:par>
-                </p:childTnLst>
-              </p:cTn>
-              <p:prevCondLst>
-                <p:cond evt="onPrev" delay="0">
-                  <p:tgtEl>
-                    <p:sldTgt/>
-                  </p:tgtEl>
-                </p:cond>
-              </p:prevCondLst>
-              <p:nextCondLst>
-                <p:cond evt="onNext" delay="0">
-                  <p:tgtEl>
-                    <p:sldTgt/>
-                  </p:tgtEl>
-                </p:cond>
-              </p:nextCondLst>
-            </p:seq>
-          </p:childTnLst>
-        </p:cTn>
+        <p:cTn id="1" dur="indefinite" restart="never" nodeType="tmRoot"/>
       </p:par>
     </p:tnLst>
-    <p:bldLst>
-      <p:bldP spid="3" grpId="0" animBg="1"/>
-    </p:bldLst>
+  </p:timing>
+</p:sld>
+</file>
+
+<file path=ppt/slides/slide10.xml><?xml version="1.0" encoding="utf-8"?>
+<p:sld xmlns:a="http://schemas.openxmlformats.org/drawingml/2006/main" xmlns:r="http://schemas.openxmlformats.org/officeDocument/2006/relationships" xmlns:p="http://schemas.openxmlformats.org/presentationml/2006/main">
+  <p:cSld>
+    <p:bg>
+      <p:bgPr>
+        <a:solidFill>
+          <a:schemeClr val="bg1"/>
+        </a:solidFill>
+        <a:effectLst/>
+      </p:bgPr>
+    </p:bg>
+    <p:spTree>
+      <p:nvGrpSpPr>
+        <p:cNvPr id="1" name=""/>
+        <p:cNvGrpSpPr/>
+        <p:nvPr/>
+      </p:nvGrpSpPr>
+      <p:grpSpPr>
+        <a:xfrm>
+          <a:off x="0" y="0"/>
+          <a:ext cx="0" cy="0"/>
+          <a:chOff x="0" y="0"/>
+          <a:chExt cx="0" cy="0"/>
+        </a:xfrm>
+      </p:grpSpPr>
+      <p:sp>
+        <p:nvSpPr>
+          <p:cNvPr id="4" name="Rectangle 3"/>
+          <p:cNvSpPr/>
+          <p:nvPr/>
+        </p:nvSpPr>
+        <p:spPr>
+          <a:xfrm>
+            <a:off x="92765" y="104310"/>
+            <a:ext cx="11859904" cy="769441"/>
+          </a:xfrm>
+          <a:prstGeom prst="rect">
+            <a:avLst/>
+          </a:prstGeom>
+        </p:spPr>
+        <p:txBody>
+          <a:bodyPr wrap="square">
+            <a:spAutoFit/>
+          </a:bodyPr>
+          <a:lstStyle/>
+          <a:p>
+            <a:pPr algn="r" rtl="1">
+              <a:spcAft>
+                <a:spcPts val="1000"/>
+              </a:spcAft>
+            </a:pPr>
+            <a:r>
+              <a:rPr lang="ar-DZ" sz="4400" b="1" u="sng" dirty="0" smtClean="0">
+                <a:solidFill>
+                  <a:srgbClr val="FF0000"/>
+                </a:solidFill>
+                <a:latin typeface="Calibri" panose="020F0502020204030204" pitchFamily="34" charset="0"/>
+                <a:ea typeface="Times New Roman" panose="02020603050405020304" pitchFamily="18" charset="0"/>
+                <a:cs typeface="Times New Roman" panose="02020603050405020304" pitchFamily="18" charset="0"/>
+              </a:rPr>
+              <a:t>تدريب :</a:t>
+            </a:r>
+          </a:p>
+        </p:txBody>
+      </p:sp>
+      <p:sp>
+        <p:nvSpPr>
+          <p:cNvPr id="3" name="Rectangle 2"/>
+          <p:cNvSpPr/>
+          <p:nvPr/>
+        </p:nvSpPr>
+        <p:spPr>
+          <a:xfrm>
+            <a:off x="622852" y="873751"/>
+            <a:ext cx="11329817" cy="4144661"/>
+          </a:xfrm>
+          <a:prstGeom prst="rect">
+            <a:avLst/>
+          </a:prstGeom>
+        </p:spPr>
+        <p:txBody>
+          <a:bodyPr wrap="square">
+            <a:spAutoFit/>
+          </a:bodyPr>
+          <a:lstStyle/>
+          <a:p>
+            <a:pPr marL="571500" indent="-571500" algn="r" rtl="1">
+              <a:lnSpc>
+                <a:spcPct val="150000"/>
+              </a:lnSpc>
+              <a:buFont typeface="Arial" panose="020B0604020202020204" pitchFamily="34" charset="0"/>
+              <a:buChar char="•"/>
+            </a:pPr>
+            <a:r>
+              <a:rPr lang="ar-DZ" sz="3600" dirty="0" smtClean="0"/>
+              <a:t>أنشئ </a:t>
+            </a:r>
+            <a:r>
+              <a:rPr lang="ar-DZ" sz="3600" dirty="0"/>
+              <a:t>مستندا جديدا في </a:t>
+            </a:r>
+            <a:r>
+              <a:rPr lang="fr-FR" sz="3600" dirty="0"/>
+              <a:t>Word </a:t>
+            </a:r>
+          </a:p>
+          <a:p>
+            <a:pPr marL="571500" indent="-571500" algn="r" rtl="1">
+              <a:lnSpc>
+                <a:spcPct val="150000"/>
+              </a:lnSpc>
+              <a:buFont typeface="Arial" panose="020B0604020202020204" pitchFamily="34" charset="0"/>
+              <a:buChar char="•"/>
+            </a:pPr>
+            <a:r>
+              <a:rPr lang="ar-DZ" sz="3600" dirty="0" smtClean="0"/>
+              <a:t>أدرج </a:t>
+            </a:r>
+            <a:r>
+              <a:rPr lang="ar-DZ" sz="3600" dirty="0"/>
+              <a:t>فاصل صفحات بين ثلاث صفحات على الأقل </a:t>
+            </a:r>
+          </a:p>
+          <a:p>
+            <a:pPr marL="571500" indent="-571500" algn="r" rtl="1">
+              <a:lnSpc>
+                <a:spcPct val="150000"/>
+              </a:lnSpc>
+              <a:buFont typeface="Arial" panose="020B0604020202020204" pitchFamily="34" charset="0"/>
+              <a:buChar char="•"/>
+            </a:pPr>
+            <a:r>
+              <a:rPr lang="ar-DZ" sz="3600" dirty="0" smtClean="0"/>
+              <a:t>أضف </a:t>
+            </a:r>
+            <a:r>
+              <a:rPr lang="ar-DZ" sz="3600" dirty="0"/>
+              <a:t>أرقام الصفحات في الأسفل بتنسيق مناسب </a:t>
+            </a:r>
+          </a:p>
+          <a:p>
+            <a:pPr marL="571500" indent="-571500" algn="r" rtl="1">
+              <a:lnSpc>
+                <a:spcPct val="150000"/>
+              </a:lnSpc>
+              <a:buFont typeface="Arial" panose="020B0604020202020204" pitchFamily="34" charset="0"/>
+              <a:buChar char="•"/>
+            </a:pPr>
+            <a:r>
+              <a:rPr lang="ar-DZ" sz="3600" dirty="0" smtClean="0"/>
+              <a:t>أدرج </a:t>
+            </a:r>
+            <a:r>
+              <a:rPr lang="ar-DZ" sz="3600" dirty="0"/>
+              <a:t>رأس الصفحة واكتب فيه عنوان المستند </a:t>
+            </a:r>
+          </a:p>
+          <a:p>
+            <a:pPr marL="571500" indent="-571500" algn="r" rtl="1">
+              <a:lnSpc>
+                <a:spcPct val="150000"/>
+              </a:lnSpc>
+              <a:buFont typeface="Arial" panose="020B0604020202020204" pitchFamily="34" charset="0"/>
+              <a:buChar char="•"/>
+            </a:pPr>
+            <a:r>
+              <a:rPr lang="ar-DZ" sz="3600" dirty="0" smtClean="0"/>
+              <a:t>أدرج </a:t>
+            </a:r>
+            <a:r>
+              <a:rPr lang="ar-DZ" sz="3600" dirty="0"/>
+              <a:t>تذييل الصفحة وأضف اسمك وتاريخ </a:t>
+            </a:r>
+            <a:r>
+              <a:rPr lang="ar-DZ" sz="3600" dirty="0" smtClean="0"/>
+              <a:t>اليوم</a:t>
+            </a:r>
+            <a:endParaRPr lang="ar-DZ" sz="3600" dirty="0"/>
+          </a:p>
+        </p:txBody>
+      </p:sp>
+    </p:spTree>
+    <p:extLst>
+      <p:ext uri="{BB962C8B-B14F-4D97-AF65-F5344CB8AC3E}">
+        <p14:creationId xmlns:p14="http://schemas.microsoft.com/office/powerpoint/2010/main" val="1483634635"/>
+      </p:ext>
+    </p:extLst>
+  </p:cSld>
+  <p:clrMapOvr>
+    <a:masterClrMapping/>
+  </p:clrMapOvr>
+  <p:timing>
+    <p:tnLst>
+      <p:par>
+        <p:cTn id="1" dur="indefinite" restart="never" nodeType="tmRoot"/>
+      </p:par>
+    </p:tnLst>
   </p:timing>
 </p:sld>
 </file>
@@ -3918,293 +4299,133 @@
           </a:p>
         </p:txBody>
       </p:sp>
-      <mc:AlternateContent xmlns:mc="http://schemas.openxmlformats.org/markup-compatibility/2006">
-        <mc:Choice xmlns:a14="http://schemas.microsoft.com/office/drawing/2010/main" Requires="a14">
-          <p:sp>
-            <p:nvSpPr>
-              <p:cNvPr id="3" name="Rectangle 2"/>
-              <p:cNvSpPr/>
-              <p:nvPr/>
-            </p:nvSpPr>
-            <p:spPr>
-              <a:xfrm>
-                <a:off x="463827" y="1230337"/>
-                <a:ext cx="11565784" cy="3886385"/>
-              </a:xfrm>
-              <a:prstGeom prst="rect">
-                <a:avLst/>
-              </a:prstGeom>
-            </p:spPr>
-            <p:txBody>
-              <a:bodyPr wrap="square">
-                <a:spAutoFit/>
-              </a:bodyPr>
-              <a:lstStyle/>
-              <a:p>
-                <a:pPr marL="457200" indent="-457200" algn="r" rtl="1">
-                  <a:buFont typeface="Wingdings" panose="05000000000000000000" pitchFamily="2" charset="2"/>
-                  <a:buChar char="Ø"/>
-                </a:pPr>
-                <a:r>
-                  <a:rPr lang="ar-DZ" sz="3200" dirty="0"/>
-                  <a:t>برأيك ، ماذا تمثل </a:t>
-                </a:r>
-                <a:r>
-                  <a:rPr lang="ar-DZ" sz="3600" dirty="0"/>
-                  <a:t>العناصر</a:t>
-                </a:r>
-                <a:r>
-                  <a:rPr lang="ar-DZ" sz="3200" dirty="0"/>
-                  <a:t> التالية </a:t>
-                </a:r>
-                <a:r>
-                  <a:rPr lang="ar-DZ" sz="3200" dirty="0" smtClean="0"/>
-                  <a:t>:</a:t>
-                </a:r>
-                <a:endParaRPr lang="fr-FR" sz="3200" dirty="0" smtClean="0"/>
-              </a:p>
-              <a:p>
-                <a:pPr algn="r" rtl="1"/>
-                <a:endParaRPr lang="fr-FR" sz="3200" dirty="0"/>
-              </a:p>
-              <a:p>
-                <a:pPr algn="r" rtl="1"/>
-                <a:r>
-                  <a:rPr lang="ar-DZ" sz="3200" b="1" dirty="0"/>
-                  <a:t>≠      &gt;     =         #        $     +      €    </a:t>
-                </a:r>
-                <a:endParaRPr lang="fr-FR" sz="3200" b="1" dirty="0" smtClean="0"/>
-              </a:p>
-              <a:p>
-                <a:pPr algn="r" rtl="1"/>
-                <a:endParaRPr lang="fr-FR" sz="3200" b="1" dirty="0" smtClean="0"/>
-              </a:p>
-              <a:p>
-                <a:pPr marL="571500" indent="-571500" algn="r" rtl="1">
-                  <a:buFont typeface="Wingdings" panose="05000000000000000000" pitchFamily="2" charset="2"/>
-                  <a:buChar char="Ø"/>
-                </a:pPr>
-                <a:r>
-                  <a:rPr lang="ar-DZ" sz="3600" dirty="0"/>
-                  <a:t>وهذه العبارات، كيف تسمى </a:t>
-                </a:r>
-                <a:r>
-                  <a:rPr lang="ar-DZ" sz="3600" dirty="0" smtClean="0"/>
-                  <a:t>؟</a:t>
-                </a:r>
-                <a:endParaRPr lang="fr-FR" sz="3600" dirty="0" smtClean="0"/>
-              </a:p>
-              <a:p>
-                <a:pPr algn="r" rtl="1"/>
-                <a:endParaRPr lang="fr-FR" sz="3200" dirty="0"/>
-              </a:p>
-              <a:p>
-                <a:pPr algn="r" rtl="1"/>
-                <a14:m>
-                  <m:oMath xmlns:m="http://schemas.openxmlformats.org/officeDocument/2006/math">
-                    <m:f>
-                      <m:fPr>
-                        <m:ctrlPr>
-                          <a:rPr lang="fr-FR" sz="3200" b="1" i="1"/>
-                        </m:ctrlPr>
-                      </m:fPr>
-                      <m:num>
-                        <m:r>
-                          <a:rPr lang="fr-FR" sz="3200" b="1" i="1"/>
-                          <m:t>𝟑</m:t>
-                        </m:r>
-                      </m:num>
-                      <m:den>
-                        <m:r>
-                          <a:rPr lang="fr-FR" sz="3200" b="1" i="1"/>
-                          <m:t>𝟐</m:t>
-                        </m:r>
-                      </m:den>
-                    </m:f>
-                    <m:r>
-                      <a:rPr lang="fr-FR" sz="3200" b="1"/>
-                      <m:t>+</m:t>
-                    </m:r>
-                    <m:f>
-                      <m:fPr>
-                        <m:ctrlPr>
-                          <a:rPr lang="fr-FR" sz="3200" b="1" i="1"/>
-                        </m:ctrlPr>
-                      </m:fPr>
-                      <m:num>
-                        <m:r>
-                          <a:rPr lang="fr-FR" sz="3200" b="1" i="1"/>
-                          <m:t>𝟓</m:t>
-                        </m:r>
-                      </m:num>
-                      <m:den>
-                        <m:r>
-                          <a:rPr lang="fr-FR" sz="3200" b="1" i="1"/>
-                          <m:t>𝟐</m:t>
-                        </m:r>
-                      </m:den>
-                    </m:f>
-                    <m:r>
-                      <a:rPr lang="fr-FR" sz="3200" b="1" i="1"/>
-                      <m:t>=</m:t>
-                    </m:r>
-                    <m:r>
-                      <a:rPr lang="fr-FR" sz="3200" b="1" i="1"/>
-                      <m:t>𝟒</m:t>
-                    </m:r>
-                  </m:oMath>
-                </a14:m>
-                <a:r>
-                  <a:rPr lang="ar-DZ" sz="3200" b="1" dirty="0"/>
-                  <a:t>           </a:t>
-                </a:r>
-                <a14:m>
-                  <m:oMath xmlns:m="http://schemas.openxmlformats.org/officeDocument/2006/math">
-                    <m:r>
-                      <a:rPr lang="fr-FR" sz="3200" b="1" i="1"/>
-                      <m:t>𝟓</m:t>
-                    </m:r>
-                    <m:r>
-                      <a:rPr lang="fr-FR" sz="3200" b="1" i="1"/>
-                      <m:t>+</m:t>
-                    </m:r>
-                    <m:d>
-                      <m:dPr>
-                        <m:ctrlPr>
-                          <a:rPr lang="fr-FR" sz="3200" b="1" i="1"/>
-                        </m:ctrlPr>
-                      </m:dPr>
-                      <m:e>
-                        <m:r>
-                          <a:rPr lang="fr-FR" sz="3200" b="1" i="1"/>
-                          <m:t>𝟑</m:t>
-                        </m:r>
-                        <m:r>
-                          <a:rPr lang="fr-FR" sz="3200" b="1" i="1"/>
-                          <m:t>−</m:t>
-                        </m:r>
-                        <m:r>
-                          <a:rPr lang="fr-FR" sz="3200" b="1" i="1"/>
-                          <m:t>𝟒</m:t>
-                        </m:r>
-                      </m:e>
-                    </m:d>
-                    <m:r>
-                      <a:rPr lang="fr-FR" sz="3200" b="1" i="1"/>
-                      <m:t>=</m:t>
-                    </m:r>
-                    <m:r>
-                      <a:rPr lang="fr-FR" sz="3200" b="1" i="1"/>
-                      <m:t>𝟒</m:t>
-                    </m:r>
-                  </m:oMath>
-                </a14:m>
-                <a:r>
-                  <a:rPr lang="ar-DZ" sz="3200" b="1" dirty="0"/>
-                  <a:t>             </a:t>
-                </a:r>
-                <a14:m>
-                  <m:oMath xmlns:m="http://schemas.openxmlformats.org/officeDocument/2006/math">
-                    <m:f>
-                      <m:fPr>
-                        <m:ctrlPr>
-                          <a:rPr lang="fr-FR" sz="3200" b="1" i="1"/>
-                        </m:ctrlPr>
-                      </m:fPr>
-                      <m:num>
-                        <m:r>
-                          <a:rPr lang="fr-FR" sz="3200" b="1" i="1"/>
-                          <m:t>𝟑</m:t>
-                        </m:r>
-                      </m:num>
-                      <m:den>
-                        <m:r>
-                          <a:rPr lang="fr-FR" sz="3200" b="1" i="1"/>
-                          <m:t>𝟓</m:t>
-                        </m:r>
-                      </m:den>
-                    </m:f>
-                    <m:r>
-                      <a:rPr lang="fr-FR" sz="3200" b="1" i="1"/>
-                      <m:t>+</m:t>
-                    </m:r>
-                    <m:r>
-                      <a:rPr lang="fr-FR" sz="3200" b="1" i="1"/>
-                      <m:t>𝟏</m:t>
-                    </m:r>
-                    <m:r>
-                      <a:rPr lang="fr-FR" sz="3200" b="1" i="1"/>
-                      <m:t>=</m:t>
-                    </m:r>
-                    <m:f>
-                      <m:fPr>
-                        <m:ctrlPr>
-                          <a:rPr lang="fr-FR" sz="3200" b="1" i="1"/>
-                        </m:ctrlPr>
-                      </m:fPr>
-                      <m:num>
-                        <m:r>
-                          <a:rPr lang="fr-FR" sz="3200" b="1" i="1"/>
-                          <m:t>𝟖</m:t>
-                        </m:r>
-                      </m:num>
-                      <m:den>
-                        <m:r>
-                          <a:rPr lang="fr-FR" sz="3200" b="1" i="1"/>
-                          <m:t>𝟓</m:t>
-                        </m:r>
-                      </m:den>
-                    </m:f>
-                  </m:oMath>
-                </a14:m>
-                <a:r>
-                  <a:rPr lang="ar-DZ" sz="3200" b="1" dirty="0" smtClean="0"/>
-                  <a:t>  </a:t>
-                </a:r>
-                <a:endParaRPr lang="fr-FR" sz="3200" b="1" dirty="0"/>
-              </a:p>
-            </p:txBody>
-          </p:sp>
-        </mc:Choice>
-        <mc:Fallback>
-          <p:sp>
-            <p:nvSpPr>
-              <p:cNvPr id="3" name="Rectangle 2"/>
-              <p:cNvSpPr>
-                <a:spLocks noRot="1" noChangeAspect="1" noMove="1" noResize="1" noEditPoints="1" noAdjustHandles="1" noChangeArrowheads="1" noChangeShapeType="1" noTextEdit="1"/>
-              </p:cNvSpPr>
-              <p:nvPr/>
-            </p:nvSpPr>
-            <p:spPr>
-              <a:xfrm>
-                <a:off x="463827" y="1230337"/>
-                <a:ext cx="11565784" cy="3886385"/>
-              </a:xfrm>
-              <a:prstGeom prst="rect">
-                <a:avLst/>
-              </a:prstGeom>
-              <a:blipFill rotWithShape="0">
-                <a:blip r:embed="rId3"/>
-                <a:stretch>
-                  <a:fillRect t="-2512" r="-1476" b="-1413"/>
-                </a:stretch>
-              </a:blipFill>
-            </p:spPr>
-            <p:txBody>
-              <a:bodyPr/>
-              <a:lstStyle/>
-              <a:p>
-                <a:r>
-                  <a:rPr lang="fr-FR">
-                    <a:noFill/>
-                  </a:rPr>
-                  <a:t> </a:t>
-                </a:r>
-              </a:p>
-            </p:txBody>
-          </p:sp>
-        </mc:Fallback>
-      </mc:AlternateContent>
+      <p:sp>
+        <p:nvSpPr>
+          <p:cNvPr id="3" name="Rectangle 2"/>
+          <p:cNvSpPr/>
+          <p:nvPr/>
+        </p:nvSpPr>
+        <p:spPr>
+          <a:xfrm>
+            <a:off x="463827" y="1199054"/>
+            <a:ext cx="11565784" cy="584775"/>
+          </a:xfrm>
+          <a:prstGeom prst="rect">
+            <a:avLst/>
+          </a:prstGeom>
+        </p:spPr>
+        <p:txBody>
+          <a:bodyPr wrap="square">
+            <a:spAutoFit/>
+          </a:bodyPr>
+          <a:lstStyle/>
+          <a:p>
+            <a:pPr marL="457200" indent="-457200" algn="r" rtl="1">
+              <a:buFont typeface="Wingdings" panose="05000000000000000000" pitchFamily="2" charset="2"/>
+              <a:buChar char="Ø"/>
+            </a:pPr>
+            <a:r>
+              <a:rPr lang="ar-DZ" sz="3200" dirty="0"/>
+              <a:t>إليك بعض الصفحات المأخوذة من كتاب المعلوماتية للسنة الأولى ثانوي : </a:t>
+            </a:r>
+            <a:r>
+              <a:rPr lang="ar-DZ" sz="3200" b="1" dirty="0" smtClean="0"/>
+              <a:t>  </a:t>
+            </a:r>
+            <a:endParaRPr lang="fr-FR" sz="3200" b="1" dirty="0"/>
+          </a:p>
+        </p:txBody>
+      </p:sp>
+      <p:sp>
+        <p:nvSpPr>
+          <p:cNvPr id="6" name="Rectangle 5"/>
+          <p:cNvSpPr/>
+          <p:nvPr/>
+        </p:nvSpPr>
+        <p:spPr>
+          <a:xfrm>
+            <a:off x="168279" y="3103380"/>
+            <a:ext cx="11855440" cy="2955746"/>
+          </a:xfrm>
+          <a:prstGeom prst="rect">
+            <a:avLst/>
+          </a:prstGeom>
+        </p:spPr>
+        <p:txBody>
+          <a:bodyPr wrap="square">
+            <a:spAutoFit/>
+          </a:bodyPr>
+          <a:lstStyle/>
+          <a:p>
+            <a:pPr marL="457200" indent="-457200" algn="r" rtl="1">
+              <a:lnSpc>
+                <a:spcPct val="150000"/>
+              </a:lnSpc>
+              <a:buFont typeface="Wingdings" panose="05000000000000000000" pitchFamily="2" charset="2"/>
+              <a:buChar char="Ø"/>
+            </a:pPr>
+            <a:r>
+              <a:rPr lang="ar-DZ" sz="3200" dirty="0" smtClean="0"/>
+              <a:t>هل </a:t>
+            </a:r>
+            <a:r>
+              <a:rPr lang="ar-DZ" sz="3200" dirty="0"/>
+              <a:t>يمكن الانتقال للكتابة في الصفحة الموالية قبل نهاية الصفحة الحالية ؟ </a:t>
+            </a:r>
+          </a:p>
+          <a:p>
+            <a:pPr marL="457200" indent="-457200" algn="r" rtl="1">
+              <a:lnSpc>
+                <a:spcPct val="150000"/>
+              </a:lnSpc>
+              <a:buFont typeface="Wingdings" panose="05000000000000000000" pitchFamily="2" charset="2"/>
+              <a:buChar char="Ø"/>
+            </a:pPr>
+            <a:r>
+              <a:rPr lang="ar-DZ" sz="3200" dirty="0" smtClean="0"/>
+              <a:t>ما </a:t>
+            </a:r>
+            <a:r>
+              <a:rPr lang="ar-DZ" sz="3200" dirty="0"/>
+              <a:t>الذي تلاحظه في أعلى الصفحات ؟ (ما الشيء المشترك الظاهر في أعلى الصفحات) </a:t>
+            </a:r>
+          </a:p>
+          <a:p>
+            <a:pPr marL="457200" indent="-457200" algn="r" rtl="1">
+              <a:lnSpc>
+                <a:spcPct val="150000"/>
+              </a:lnSpc>
+              <a:buFont typeface="Wingdings" panose="05000000000000000000" pitchFamily="2" charset="2"/>
+              <a:buChar char="Ø"/>
+            </a:pPr>
+            <a:r>
+              <a:rPr lang="ar-DZ" sz="3200" dirty="0" smtClean="0"/>
+              <a:t>ما </a:t>
+            </a:r>
+            <a:r>
+              <a:rPr lang="ar-DZ" sz="3200" dirty="0"/>
+              <a:t>الذي تلاحظه في أسفل الصفحات ؟ (ما الشيء المشترك الظاهر في أسفل الصفحات) </a:t>
+            </a:r>
+          </a:p>
+          <a:p>
+            <a:pPr marL="457200" indent="-457200" algn="r" rtl="1">
+              <a:lnSpc>
+                <a:spcPct val="150000"/>
+              </a:lnSpc>
+              <a:buFont typeface="Wingdings" panose="05000000000000000000" pitchFamily="2" charset="2"/>
+              <a:buChar char="Ø"/>
+            </a:pPr>
+            <a:r>
+              <a:rPr lang="ar-DZ" sz="3200" dirty="0" smtClean="0"/>
+              <a:t>ما </a:t>
+            </a:r>
+            <a:r>
+              <a:rPr lang="ar-DZ" sz="3200" dirty="0"/>
+              <a:t>الذي تلاحظه أيضا في أسفل الصفحات ؟ </a:t>
+            </a:r>
+          </a:p>
+        </p:txBody>
+      </p:sp>
     </p:spTree>
     <p:extLst>
       <p:ext uri="{BB962C8B-B14F-4D97-AF65-F5344CB8AC3E}">
@@ -4253,6 +4474,266 @@
           <a:chExt cx="0" cy="0"/>
         </a:xfrm>
       </p:grpSpPr>
+      <p:pic>
+        <p:nvPicPr>
+          <p:cNvPr id="1028" name="Image 2" descr="Capture8.PNG"/>
+          <p:cNvPicPr>
+            <a:picLocks noChangeAspect="1" noChangeArrowheads="1"/>
+          </p:cNvPicPr>
+          <p:nvPr/>
+        </p:nvPicPr>
+        <p:blipFill>
+          <a:blip r:embed="rId3">
+            <a:extLst>
+              <a:ext uri="{28A0092B-C50C-407E-A947-70E740481C1C}">
+                <a14:useLocalDpi xmlns:a14="http://schemas.microsoft.com/office/drawing/2010/main" val="0"/>
+              </a:ext>
+            </a:extLst>
+          </a:blip>
+          <a:srcRect/>
+          <a:stretch>
+            <a:fillRect/>
+          </a:stretch>
+        </p:blipFill>
+        <p:spPr bwMode="auto">
+          <a:xfrm>
+            <a:off x="6334540" y="-59611"/>
+            <a:ext cx="5327374" cy="6917611"/>
+          </a:xfrm>
+          <a:prstGeom prst="rect">
+            <a:avLst/>
+          </a:prstGeom>
+          <a:noFill/>
+          <a:extLst>
+            <a:ext uri="{909E8E84-426E-40DD-AFC4-6F175D3DCCD1}">
+              <a14:hiddenFill xmlns:a14="http://schemas.microsoft.com/office/drawing/2010/main">
+                <a:solidFill>
+                  <a:srgbClr val="FFFFFF"/>
+                </a:solidFill>
+              </a14:hiddenFill>
+            </a:ext>
+          </a:extLst>
+        </p:spPr>
+      </p:pic>
+      <p:pic>
+        <p:nvPicPr>
+          <p:cNvPr id="1027" name="Image 0" descr="Capture5.PNG"/>
+          <p:cNvPicPr>
+            <a:picLocks noChangeAspect="1" noChangeArrowheads="1"/>
+          </p:cNvPicPr>
+          <p:nvPr/>
+        </p:nvPicPr>
+        <p:blipFill>
+          <a:blip r:embed="rId4">
+            <a:extLst>
+              <a:ext uri="{28A0092B-C50C-407E-A947-70E740481C1C}">
+                <a14:useLocalDpi xmlns:a14="http://schemas.microsoft.com/office/drawing/2010/main" val="0"/>
+              </a:ext>
+            </a:extLst>
+          </a:blip>
+          <a:srcRect/>
+          <a:stretch>
+            <a:fillRect/>
+          </a:stretch>
+        </p:blipFill>
+        <p:spPr bwMode="auto">
+          <a:xfrm>
+            <a:off x="663211" y="-59612"/>
+            <a:ext cx="5247862" cy="6917611"/>
+          </a:xfrm>
+          <a:prstGeom prst="rect">
+            <a:avLst/>
+          </a:prstGeom>
+          <a:noFill/>
+          <a:extLst>
+            <a:ext uri="{909E8E84-426E-40DD-AFC4-6F175D3DCCD1}">
+              <a14:hiddenFill xmlns:a14="http://schemas.microsoft.com/office/drawing/2010/main">
+                <a:solidFill>
+                  <a:srgbClr val="FFFFFF"/>
+                </a:solidFill>
+              </a14:hiddenFill>
+            </a:ext>
+          </a:extLst>
+        </p:spPr>
+      </p:pic>
+    </p:spTree>
+    <p:extLst>
+      <p:ext uri="{BB962C8B-B14F-4D97-AF65-F5344CB8AC3E}">
+        <p14:creationId xmlns:p14="http://schemas.microsoft.com/office/powerpoint/2010/main" val="597827767"/>
+      </p:ext>
+    </p:extLst>
+  </p:cSld>
+  <p:clrMapOvr>
+    <a:masterClrMapping/>
+  </p:clrMapOvr>
+  <p:transition spd="slow">
+    <p:push dir="u"/>
+  </p:transition>
+  <p:timing>
+    <p:tnLst>
+      <p:par>
+        <p:cTn id="1" dur="indefinite" restart="never" nodeType="tmRoot"/>
+      </p:par>
+    </p:tnLst>
+  </p:timing>
+</p:sld>
+</file>
+
+<file path=ppt/slides/slide4.xml><?xml version="1.0" encoding="utf-8"?>
+<p:sld xmlns:a="http://schemas.openxmlformats.org/drawingml/2006/main" xmlns:r="http://schemas.openxmlformats.org/officeDocument/2006/relationships" xmlns:p="http://schemas.openxmlformats.org/presentationml/2006/main">
+  <p:cSld>
+    <p:bg>
+      <p:bgPr>
+        <a:solidFill>
+          <a:schemeClr val="bg1"/>
+        </a:solidFill>
+        <a:effectLst/>
+      </p:bgPr>
+    </p:bg>
+    <p:spTree>
+      <p:nvGrpSpPr>
+        <p:cNvPr id="1" name=""/>
+        <p:cNvGrpSpPr/>
+        <p:nvPr/>
+      </p:nvGrpSpPr>
+      <p:grpSpPr>
+        <a:xfrm>
+          <a:off x="0" y="0"/>
+          <a:ext cx="0" cy="0"/>
+          <a:chOff x="0" y="0"/>
+          <a:chExt cx="0" cy="0"/>
+        </a:xfrm>
+      </p:grpSpPr>
+      <p:pic>
+        <p:nvPicPr>
+          <p:cNvPr id="1026" name="Image 1" descr="Capture6.PNG"/>
+          <p:cNvPicPr>
+            <a:picLocks noChangeAspect="1" noChangeArrowheads="1"/>
+          </p:cNvPicPr>
+          <p:nvPr/>
+        </p:nvPicPr>
+        <p:blipFill>
+          <a:blip r:embed="rId3">
+            <a:extLst>
+              <a:ext uri="{28A0092B-C50C-407E-A947-70E740481C1C}">
+                <a14:useLocalDpi xmlns:a14="http://schemas.microsoft.com/office/drawing/2010/main" val="0"/>
+              </a:ext>
+            </a:extLst>
+          </a:blip>
+          <a:srcRect/>
+          <a:stretch>
+            <a:fillRect/>
+          </a:stretch>
+        </p:blipFill>
+        <p:spPr bwMode="auto">
+          <a:xfrm>
+            <a:off x="6110514" y="0"/>
+            <a:ext cx="5447768" cy="6784416"/>
+          </a:xfrm>
+          <a:prstGeom prst="rect">
+            <a:avLst/>
+          </a:prstGeom>
+          <a:noFill/>
+          <a:extLst>
+            <a:ext uri="{909E8E84-426E-40DD-AFC4-6F175D3DCCD1}">
+              <a14:hiddenFill xmlns:a14="http://schemas.microsoft.com/office/drawing/2010/main">
+                <a:solidFill>
+                  <a:srgbClr val="FFFFFF"/>
+                </a:solidFill>
+              </a14:hiddenFill>
+            </a:ext>
+          </a:extLst>
+        </p:spPr>
+      </p:pic>
+      <p:pic>
+        <p:nvPicPr>
+          <p:cNvPr id="1025" name="Image 4" descr="Capture7.PNG"/>
+          <p:cNvPicPr>
+            <a:picLocks noChangeAspect="1" noChangeArrowheads="1"/>
+          </p:cNvPicPr>
+          <p:nvPr/>
+        </p:nvPicPr>
+        <p:blipFill>
+          <a:blip r:embed="rId4">
+            <a:extLst>
+              <a:ext uri="{28A0092B-C50C-407E-A947-70E740481C1C}">
+                <a14:useLocalDpi xmlns:a14="http://schemas.microsoft.com/office/drawing/2010/main" val="0"/>
+              </a:ext>
+            </a:extLst>
+          </a:blip>
+          <a:srcRect/>
+          <a:stretch>
+            <a:fillRect/>
+          </a:stretch>
+        </p:blipFill>
+        <p:spPr bwMode="auto">
+          <a:xfrm>
+            <a:off x="537028" y="0"/>
+            <a:ext cx="5353878" cy="6705600"/>
+          </a:xfrm>
+          <a:prstGeom prst="rect">
+            <a:avLst/>
+          </a:prstGeom>
+          <a:noFill/>
+          <a:extLst>
+            <a:ext uri="{909E8E84-426E-40DD-AFC4-6F175D3DCCD1}">
+              <a14:hiddenFill xmlns:a14="http://schemas.microsoft.com/office/drawing/2010/main">
+                <a:solidFill>
+                  <a:srgbClr val="FFFFFF"/>
+                </a:solidFill>
+              </a14:hiddenFill>
+            </a:ext>
+          </a:extLst>
+        </p:spPr>
+      </p:pic>
+    </p:spTree>
+    <p:extLst>
+      <p:ext uri="{BB962C8B-B14F-4D97-AF65-F5344CB8AC3E}">
+        <p14:creationId xmlns:p14="http://schemas.microsoft.com/office/powerpoint/2010/main" val="3312573843"/>
+      </p:ext>
+    </p:extLst>
+  </p:cSld>
+  <p:clrMapOvr>
+    <a:masterClrMapping/>
+  </p:clrMapOvr>
+  <p:transition spd="slow">
+    <p:push dir="u"/>
+  </p:transition>
+  <p:timing>
+    <p:tnLst>
+      <p:par>
+        <p:cTn id="1" dur="indefinite" restart="never" nodeType="tmRoot"/>
+      </p:par>
+    </p:tnLst>
+  </p:timing>
+</p:sld>
+</file>
+
+<file path=ppt/slides/slide5.xml><?xml version="1.0" encoding="utf-8"?>
+<p:sld xmlns:a="http://schemas.openxmlformats.org/drawingml/2006/main" xmlns:r="http://schemas.openxmlformats.org/officeDocument/2006/relationships" xmlns:p="http://schemas.openxmlformats.org/presentationml/2006/main">
+  <p:cSld>
+    <p:bg>
+      <p:bgPr>
+        <a:solidFill>
+          <a:schemeClr val="bg1"/>
+        </a:solidFill>
+        <a:effectLst/>
+      </p:bgPr>
+    </p:bg>
+    <p:spTree>
+      <p:nvGrpSpPr>
+        <p:cNvPr id="1" name=""/>
+        <p:cNvGrpSpPr/>
+        <p:nvPr/>
+      </p:nvGrpSpPr>
+      <p:grpSpPr>
+        <a:xfrm>
+          <a:off x="0" y="0"/>
+          <a:ext cx="0" cy="0"/>
+          <a:chOff x="0" y="0"/>
+          <a:chExt cx="0" cy="0"/>
+        </a:xfrm>
+      </p:grpSpPr>
       <p:sp>
         <p:nvSpPr>
           <p:cNvPr id="4" name="Rectangle 3"/>
@@ -4262,7 +4743,7 @@
         <p:spPr>
           <a:xfrm>
             <a:off x="0" y="188214"/>
-            <a:ext cx="11970469" cy="800219"/>
+            <a:ext cx="11970469" cy="755400"/>
           </a:xfrm>
           <a:prstGeom prst="rect">
             <a:avLst/>
@@ -4291,7 +4772,18 @@
                 <a:ea typeface="Times New Roman" panose="02020603050405020304" pitchFamily="18" charset="0"/>
                 <a:cs typeface="Times New Roman" panose="02020603050405020304" pitchFamily="18" charset="0"/>
               </a:rPr>
-              <a:t>نشاط :</a:t>
+              <a:t>نشاط </a:t>
+            </a:r>
+            <a:r>
+              <a:rPr lang="ar-DZ" sz="4000" b="1" u="sng" dirty="0" smtClean="0">
+                <a:solidFill>
+                  <a:srgbClr val="FF0000"/>
+                </a:solidFill>
+                <a:latin typeface="Calibri" panose="020F0502020204030204" pitchFamily="34" charset="0"/>
+                <a:ea typeface="Times New Roman" panose="02020603050405020304" pitchFamily="18" charset="0"/>
+                <a:cs typeface="Times New Roman" panose="02020603050405020304" pitchFamily="18" charset="0"/>
+              </a:rPr>
+              <a:t>01 :</a:t>
             </a:r>
             <a:endParaRPr lang="fr-FR" sz="3200" b="1" dirty="0">
               <a:effectLst/>
@@ -4302,178 +4794,312 @@
           </a:p>
         </p:txBody>
       </p:sp>
-      <mc:AlternateContent xmlns:mc="http://schemas.openxmlformats.org/markup-compatibility/2006">
-        <mc:Choice xmlns:a14="http://schemas.microsoft.com/office/drawing/2010/main" Requires="a14">
-          <p:sp>
-            <p:nvSpPr>
-              <p:cNvPr id="8" name="Rectangle 7"/>
-              <p:cNvSpPr/>
-              <p:nvPr/>
-            </p:nvSpPr>
-            <p:spPr>
-              <a:xfrm>
-                <a:off x="117391" y="1470664"/>
-                <a:ext cx="11966713" cy="3744423"/>
-              </a:xfrm>
-              <a:prstGeom prst="rect">
-                <a:avLst/>
-              </a:prstGeom>
-            </p:spPr>
-            <p:txBody>
-              <a:bodyPr wrap="square">
-                <a:spAutoFit/>
-              </a:bodyPr>
-              <a:lstStyle/>
-              <a:p>
-                <a:pPr marL="457200" lvl="0" indent="-457200" algn="r" rtl="1">
-                  <a:buFont typeface="Wingdings" panose="05000000000000000000" pitchFamily="2" charset="2"/>
-                  <a:buChar char="Ø"/>
-                </a:pPr>
-                <a:r>
-                  <a:rPr lang="ar-DZ" sz="3200" dirty="0"/>
-                  <a:t>برأيك، كيف نسمّي رمز باللغة الفرنسية ؟ </a:t>
-                </a:r>
-                <a:endParaRPr lang="fr-FR" sz="3200" dirty="0"/>
-              </a:p>
-              <a:p>
-                <a:pPr marL="457200" indent="-457200" algn="r" rtl="1">
-                  <a:buFont typeface="Wingdings" panose="05000000000000000000" pitchFamily="2" charset="2"/>
-                  <a:buChar char="Ø"/>
-                </a:pPr>
-                <a:r>
-                  <a:rPr lang="ar-DZ" sz="3200" dirty="0"/>
-                  <a:t>لنتوجه إلى الحاسوب ونحاول إدراج بعض هذه الرموز </a:t>
-                </a:r>
-                <a:r>
-                  <a:rPr lang="ar-DZ" sz="3200" dirty="0" smtClean="0"/>
-                  <a:t>؟</a:t>
-                </a:r>
-                <a:endParaRPr lang="fr-FR" sz="3200" dirty="0" smtClean="0"/>
-              </a:p>
-              <a:p>
-                <a:pPr marL="457200" indent="-457200" algn="r" rtl="1">
-                  <a:buFont typeface="Wingdings" panose="05000000000000000000" pitchFamily="2" charset="2"/>
-                  <a:buChar char="Ø"/>
-                </a:pPr>
-                <a:endParaRPr lang="fr-FR" sz="3200" dirty="0"/>
-              </a:p>
-              <a:p>
-                <a:pPr marL="457200" lvl="0" indent="-457200" algn="r" rtl="1">
-                  <a:buFont typeface="Wingdings" panose="05000000000000000000" pitchFamily="2" charset="2"/>
-                  <a:buChar char="Ø"/>
-                </a:pPr>
-                <a:r>
-                  <a:rPr lang="ar-DZ" sz="3200" dirty="0"/>
-                  <a:t>لنحاول إدراج هذا الكسر : </a:t>
-                </a:r>
-                <a14:m>
-                  <m:oMath xmlns:m="http://schemas.openxmlformats.org/officeDocument/2006/math">
-                    <m:f>
-                      <m:fPr>
-                        <m:ctrlPr>
-                          <a:rPr lang="fr-FR" sz="3200" i="1"/>
-                        </m:ctrlPr>
-                      </m:fPr>
-                      <m:num>
-                        <m:r>
-                          <a:rPr lang="fr-FR" sz="3200"/>
-                          <m:t>4</m:t>
-                        </m:r>
-                      </m:num>
-                      <m:den>
-                        <m:r>
-                          <a:rPr lang="fr-FR" sz="3200"/>
-                          <m:t>10</m:t>
-                        </m:r>
-                      </m:den>
-                    </m:f>
-                  </m:oMath>
-                </a14:m>
-                <a:endParaRPr lang="fr-FR" sz="3200" dirty="0"/>
-              </a:p>
-              <a:p>
-                <a:pPr marL="457200" lvl="0" indent="-457200" algn="r" rtl="1">
-                  <a:buFont typeface="Wingdings" panose="05000000000000000000" pitchFamily="2" charset="2"/>
-                  <a:buChar char="Ø"/>
-                </a:pPr>
-                <a:r>
-                  <a:rPr lang="ar-DZ" sz="3200" dirty="0"/>
-                  <a:t>ما التعليمة التي تسمح لنا بإدراج عبارة رياضية ؟ </a:t>
-                </a:r>
-                <a:endParaRPr lang="fr-FR" sz="3200" dirty="0"/>
-              </a:p>
-              <a:p>
-                <a:pPr marL="457200" lvl="0" indent="-457200" algn="r" rtl="1">
-                  <a:buFont typeface="Wingdings" panose="05000000000000000000" pitchFamily="2" charset="2"/>
-                  <a:buChar char="Ø"/>
-                </a:pPr>
-                <a:r>
-                  <a:rPr lang="ar-DZ" sz="3200" dirty="0"/>
-                  <a:t>ماذا تلاحظ عند الضغط على التعليمة </a:t>
-                </a:r>
-                <a:r>
-                  <a:rPr lang="fr-FR" sz="3200" dirty="0"/>
-                  <a:t>Equation</a:t>
-                </a:r>
-                <a:r>
-                  <a:rPr lang="ar-DZ" sz="3200" dirty="0"/>
-                  <a:t> ؟</a:t>
-                </a:r>
-                <a:endParaRPr lang="fr-FR" sz="3200" dirty="0"/>
-              </a:p>
-              <a:p>
-                <a:pPr marL="457200" indent="-457200" algn="r" rtl="1">
-                  <a:buFont typeface="Wingdings" panose="05000000000000000000" pitchFamily="2" charset="2"/>
-                  <a:buChar char="Ø"/>
-                </a:pPr>
-                <a:r>
-                  <a:rPr lang="ar-DZ" sz="3200" dirty="0"/>
-                  <a:t>لنبحث فيه عن كيفية إضافة كسر</a:t>
-                </a:r>
-                <a:endParaRPr lang="ar-DZ" sz="3200" dirty="0"/>
-              </a:p>
-            </p:txBody>
-          </p:sp>
-        </mc:Choice>
-        <mc:Fallback>
-          <p:sp>
-            <p:nvSpPr>
-              <p:cNvPr id="8" name="Rectangle 7"/>
-              <p:cNvSpPr>
-                <a:spLocks noRot="1" noChangeAspect="1" noMove="1" noResize="1" noEditPoints="1" noAdjustHandles="1" noChangeArrowheads="1" noChangeShapeType="1" noTextEdit="1"/>
-              </p:cNvSpPr>
-              <p:nvPr/>
-            </p:nvSpPr>
-            <p:spPr>
-              <a:xfrm>
-                <a:off x="117391" y="1470664"/>
-                <a:ext cx="11966713" cy="3744423"/>
-              </a:xfrm>
-              <a:prstGeom prst="rect">
-                <a:avLst/>
-              </a:prstGeom>
-              <a:blipFill rotWithShape="0">
-                <a:blip r:embed="rId3"/>
-                <a:stretch>
-                  <a:fillRect t="-2443" r="-1223" b="-4397"/>
-                </a:stretch>
-              </a:blipFill>
-            </p:spPr>
-            <p:txBody>
-              <a:bodyPr/>
-              <a:lstStyle/>
-              <a:p>
-                <a:r>
-                  <a:rPr lang="fr-FR">
-                    <a:noFill/>
-                  </a:rPr>
-                  <a:t> </a:t>
-                </a:r>
-              </a:p>
-            </p:txBody>
-          </p:sp>
-        </mc:Fallback>
-      </mc:AlternateContent>
+      <p:sp>
+        <p:nvSpPr>
+          <p:cNvPr id="8" name="Rectangle 7"/>
+          <p:cNvSpPr/>
+          <p:nvPr/>
+        </p:nvSpPr>
+        <p:spPr>
+          <a:xfrm>
+            <a:off x="3756" y="1093293"/>
+            <a:ext cx="11966713" cy="5386090"/>
+          </a:xfrm>
+          <a:prstGeom prst="rect">
+            <a:avLst/>
+          </a:prstGeom>
+        </p:spPr>
+        <p:txBody>
+          <a:bodyPr wrap="square">
+            <a:spAutoFit/>
+          </a:bodyPr>
+          <a:lstStyle/>
+          <a:p>
+            <a:pPr marL="457200" indent="-457200" algn="r" rtl="1">
+              <a:buFont typeface="Wingdings" panose="05000000000000000000" pitchFamily="2" charset="2"/>
+              <a:buChar char="Ø"/>
+            </a:pPr>
+            <a:r>
+              <a:rPr lang="ar-DZ" sz="3200" dirty="0" smtClean="0"/>
+              <a:t>كيف </a:t>
+            </a:r>
+            <a:r>
+              <a:rPr lang="ar-DZ" sz="3200" dirty="0"/>
+              <a:t>يمكن الانتقال إلى صفحة جديدة قبل انتهاء </a:t>
+            </a:r>
+            <a:r>
+              <a:rPr lang="ar-DZ" sz="3200" dirty="0" smtClean="0"/>
+              <a:t>الصفحة</a:t>
+            </a:r>
+          </a:p>
+          <a:p>
+            <a:pPr algn="r" rtl="1"/>
+            <a:r>
+              <a:rPr lang="ar-DZ" sz="3200" dirty="0" smtClean="0"/>
+              <a:t> </a:t>
+            </a:r>
+            <a:r>
+              <a:rPr lang="ar-DZ" sz="3200" dirty="0"/>
+              <a:t>الحالية ؟ </a:t>
+            </a:r>
+          </a:p>
+          <a:p>
+            <a:pPr marL="457200" indent="-457200" algn="r" rtl="1">
+              <a:buFont typeface="Wingdings" panose="05000000000000000000" pitchFamily="2" charset="2"/>
+              <a:buChar char="Ø"/>
+            </a:pPr>
+            <a:r>
+              <a:rPr lang="ar-DZ" sz="3200" dirty="0"/>
+              <a:t>اتصل بالإجابة لتكتشف اسم العملية باللغة العربية </a:t>
+            </a:r>
+            <a:r>
+              <a:rPr lang="ar-DZ" sz="3200" dirty="0" smtClean="0"/>
+              <a:t>:</a:t>
+            </a:r>
+          </a:p>
+          <a:p>
+            <a:pPr algn="r" rtl="1"/>
+            <a:r>
+              <a:rPr lang="ar-DZ" sz="3200" b="1" dirty="0" smtClean="0">
+                <a:solidFill>
+                  <a:srgbClr val="FF0000"/>
+                </a:solidFill>
+              </a:rPr>
+              <a:t>82537107315</a:t>
+            </a:r>
+          </a:p>
+          <a:p>
+            <a:pPr algn="r" rtl="1"/>
+            <a:endParaRPr lang="fr-FR" sz="2400" b="1" dirty="0">
+              <a:solidFill>
+                <a:srgbClr val="FF0000"/>
+              </a:solidFill>
+              <a:latin typeface="Calibri" panose="020F0502020204030204" pitchFamily="34" charset="0"/>
+              <a:ea typeface="Calibri" panose="020F0502020204030204" pitchFamily="34" charset="0"/>
+              <a:cs typeface="Arial" panose="020B0604020202020204" pitchFamily="34" charset="0"/>
+            </a:endParaRPr>
+          </a:p>
+          <a:p>
+            <a:pPr algn="r" rtl="1"/>
+            <a:endParaRPr lang="ar-DZ" sz="3200" dirty="0" smtClean="0"/>
+          </a:p>
+          <a:p>
+            <a:pPr marL="457200" indent="-457200" algn="r" rtl="1">
+              <a:buFont typeface="Wingdings" panose="05000000000000000000" pitchFamily="2" charset="2"/>
+              <a:buChar char="Ø"/>
+            </a:pPr>
+            <a:r>
+              <a:rPr lang="ar-DZ" sz="3200" dirty="0" smtClean="0"/>
+              <a:t>من </a:t>
+            </a:r>
+            <a:r>
+              <a:rPr lang="ar-DZ" sz="3200" dirty="0"/>
+              <a:t>بين هذه الاقتراحات اختر التعليمة الصحيحة </a:t>
+            </a:r>
+            <a:r>
+              <a:rPr lang="ar-DZ" sz="3200" dirty="0" smtClean="0"/>
+              <a:t>لفاصل</a:t>
+            </a:r>
+          </a:p>
+          <a:p>
+            <a:pPr algn="r" rtl="1"/>
+            <a:r>
+              <a:rPr lang="ar-DZ" sz="3200" dirty="0" smtClean="0"/>
+              <a:t> </a:t>
+            </a:r>
+            <a:r>
+              <a:rPr lang="ar-DZ" sz="3200" dirty="0"/>
+              <a:t>الصفحة بالفرنسية </a:t>
+            </a:r>
+            <a:r>
+              <a:rPr lang="ar-DZ" sz="3200" dirty="0" smtClean="0"/>
+              <a:t>:</a:t>
+            </a:r>
+            <a:endParaRPr lang="ar-DZ" sz="3200" dirty="0"/>
+          </a:p>
+          <a:p>
+            <a:pPr algn="r" rtl="1"/>
+            <a:endParaRPr lang="ar-DZ" sz="3200" dirty="0" smtClean="0"/>
+          </a:p>
+          <a:p>
+            <a:pPr algn="r" rtl="1"/>
+            <a:r>
+              <a:rPr lang="ar-DZ" sz="3200" dirty="0" smtClean="0"/>
+              <a:t> </a:t>
+            </a:r>
+            <a:endParaRPr lang="ar-DZ" sz="3200" dirty="0"/>
+          </a:p>
+          <a:p>
+            <a:pPr marL="457200" indent="-457200" algn="r" rtl="1">
+              <a:buFont typeface="Wingdings" panose="05000000000000000000" pitchFamily="2" charset="2"/>
+              <a:buChar char="Ø"/>
+            </a:pPr>
+            <a:r>
+              <a:rPr lang="ar-DZ" sz="3200" dirty="0"/>
+              <a:t>قم إلى الحاسوب محاولا إدراج فاصل الصفحة.</a:t>
+            </a:r>
+            <a:endParaRPr lang="ar-DZ" sz="3200" dirty="0"/>
+          </a:p>
+        </p:txBody>
+      </p:sp>
+      <p:pic>
+        <p:nvPicPr>
+          <p:cNvPr id="5" name="Image 4"/>
+          <p:cNvPicPr/>
+          <p:nvPr/>
+        </p:nvPicPr>
+        <p:blipFill>
+          <a:blip r:embed="rId3"/>
+          <a:srcRect/>
+          <a:stretch>
+            <a:fillRect/>
+          </a:stretch>
+        </p:blipFill>
+        <p:spPr bwMode="auto">
+          <a:xfrm>
+            <a:off x="232090" y="943614"/>
+            <a:ext cx="3750175" cy="4774120"/>
+          </a:xfrm>
+          <a:prstGeom prst="rect">
+            <a:avLst/>
+          </a:prstGeom>
+          <a:noFill/>
+          <a:ln w="9525">
+            <a:noFill/>
+            <a:miter lim="800000"/>
+            <a:headEnd/>
+            <a:tailEnd/>
+          </a:ln>
+        </p:spPr>
+      </p:pic>
+      <p:pic>
+        <p:nvPicPr>
+          <p:cNvPr id="13" name="Image 12"/>
+          <p:cNvPicPr/>
+          <p:nvPr/>
+        </p:nvPicPr>
+        <p:blipFill>
+          <a:blip r:embed="rId4"/>
+          <a:srcRect/>
+          <a:stretch>
+            <a:fillRect/>
+          </a:stretch>
+        </p:blipFill>
+        <p:spPr bwMode="auto">
+          <a:xfrm>
+            <a:off x="9871490" y="4966698"/>
+            <a:ext cx="1897555" cy="606788"/>
+          </a:xfrm>
+          <a:prstGeom prst="rect">
+            <a:avLst/>
+          </a:prstGeom>
+          <a:noFill/>
+          <a:ln w="9525">
+            <a:solidFill>
+              <a:schemeClr val="accent1"/>
+            </a:solidFill>
+            <a:miter lim="800000"/>
+            <a:headEnd/>
+            <a:tailEnd/>
+          </a:ln>
+        </p:spPr>
+      </p:pic>
+      <p:pic>
+        <p:nvPicPr>
+          <p:cNvPr id="14" name="Image 13"/>
+          <p:cNvPicPr/>
+          <p:nvPr/>
+        </p:nvPicPr>
+        <p:blipFill>
+          <a:blip r:embed="rId5"/>
+          <a:srcRect/>
+          <a:stretch>
+            <a:fillRect/>
+          </a:stretch>
+        </p:blipFill>
+        <p:spPr bwMode="auto">
+          <a:xfrm>
+            <a:off x="8196157" y="4968920"/>
+            <a:ext cx="1548266" cy="604566"/>
+          </a:xfrm>
+          <a:prstGeom prst="rect">
+            <a:avLst/>
+          </a:prstGeom>
+          <a:noFill/>
+          <a:ln w="9525">
+            <a:solidFill>
+              <a:schemeClr val="accent1"/>
+            </a:solidFill>
+            <a:miter lim="800000"/>
+            <a:headEnd/>
+            <a:tailEnd/>
+          </a:ln>
+        </p:spPr>
+      </p:pic>
+      <p:pic>
+        <p:nvPicPr>
+          <p:cNvPr id="15" name="Image 14"/>
+          <p:cNvPicPr/>
+          <p:nvPr/>
+        </p:nvPicPr>
+        <p:blipFill>
+          <a:blip r:embed="rId6"/>
+          <a:srcRect/>
+          <a:stretch>
+            <a:fillRect/>
+          </a:stretch>
+        </p:blipFill>
+        <p:spPr bwMode="auto">
+          <a:xfrm>
+            <a:off x="6357257" y="4966698"/>
+            <a:ext cx="1711834" cy="606788"/>
+          </a:xfrm>
+          <a:prstGeom prst="rect">
+            <a:avLst/>
+          </a:prstGeom>
+          <a:noFill/>
+          <a:ln w="9525">
+            <a:solidFill>
+              <a:schemeClr val="accent1"/>
+            </a:solidFill>
+            <a:miter lim="800000"/>
+            <a:headEnd/>
+            <a:tailEnd/>
+          </a:ln>
+        </p:spPr>
+      </p:pic>
+      <p:pic>
+        <p:nvPicPr>
+          <p:cNvPr id="16" name="Image 15"/>
+          <p:cNvPicPr/>
+          <p:nvPr/>
+        </p:nvPicPr>
+        <p:blipFill>
+          <a:blip r:embed="rId7"/>
+          <a:srcRect/>
+          <a:stretch>
+            <a:fillRect/>
+          </a:stretch>
+        </p:blipFill>
+        <p:spPr bwMode="auto">
+          <a:xfrm>
+            <a:off x="4236397" y="4960348"/>
+            <a:ext cx="1866728" cy="613138"/>
+          </a:xfrm>
+          <a:prstGeom prst="rect">
+            <a:avLst/>
+          </a:prstGeom>
+          <a:noFill/>
+          <a:ln w="9525">
+            <a:solidFill>
+              <a:schemeClr val="accent1"/>
+            </a:solidFill>
+            <a:miter lim="800000"/>
+            <a:headEnd/>
+            <a:tailEnd/>
+          </a:ln>
+        </p:spPr>
+      </p:pic>
     </p:spTree>
     <p:extLst>
       <p:ext uri="{BB962C8B-B14F-4D97-AF65-F5344CB8AC3E}">
@@ -4497,7 +5123,433 @@
 </p:sld>
 </file>
 
-<file path=ppt/slides/slide4.xml><?xml version="1.0" encoding="utf-8"?>
+<file path=ppt/slides/slide6.xml><?xml version="1.0" encoding="utf-8"?>
+<p:sld xmlns:a="http://schemas.openxmlformats.org/drawingml/2006/main" xmlns:r="http://schemas.openxmlformats.org/officeDocument/2006/relationships" xmlns:p="http://schemas.openxmlformats.org/presentationml/2006/main">
+  <p:cSld>
+    <p:bg>
+      <p:bgPr>
+        <a:solidFill>
+          <a:schemeClr val="bg1"/>
+        </a:solidFill>
+        <a:effectLst/>
+      </p:bgPr>
+    </p:bg>
+    <p:spTree>
+      <p:nvGrpSpPr>
+        <p:cNvPr id="1" name=""/>
+        <p:cNvGrpSpPr/>
+        <p:nvPr/>
+      </p:nvGrpSpPr>
+      <p:grpSpPr>
+        <a:xfrm>
+          <a:off x="0" y="0"/>
+          <a:ext cx="0" cy="0"/>
+          <a:chOff x="0" y="0"/>
+          <a:chExt cx="0" cy="0"/>
+        </a:xfrm>
+      </p:grpSpPr>
+      <p:sp>
+        <p:nvSpPr>
+          <p:cNvPr id="4" name="Rectangle 3"/>
+          <p:cNvSpPr/>
+          <p:nvPr/>
+        </p:nvSpPr>
+        <p:spPr>
+          <a:xfrm>
+            <a:off x="0" y="188214"/>
+            <a:ext cx="11970469" cy="755400"/>
+          </a:xfrm>
+          <a:prstGeom prst="rect">
+            <a:avLst/>
+          </a:prstGeom>
+        </p:spPr>
+        <p:txBody>
+          <a:bodyPr wrap="square">
+            <a:spAutoFit/>
+          </a:bodyPr>
+          <a:lstStyle/>
+          <a:p>
+            <a:pPr algn="r" rtl="1">
+              <a:lnSpc>
+                <a:spcPct val="115000"/>
+              </a:lnSpc>
+              <a:spcAft>
+                <a:spcPts val="1000"/>
+              </a:spcAft>
+            </a:pPr>
+            <a:r>
+              <a:rPr lang="ar-DZ" sz="4000" b="1" u="sng" dirty="0" smtClean="0">
+                <a:solidFill>
+                  <a:srgbClr val="FF0000"/>
+                </a:solidFill>
+                <a:latin typeface="Calibri" panose="020F0502020204030204" pitchFamily="34" charset="0"/>
+                <a:ea typeface="Times New Roman" panose="02020603050405020304" pitchFamily="18" charset="0"/>
+                <a:cs typeface="Times New Roman" panose="02020603050405020304" pitchFamily="18" charset="0"/>
+              </a:rPr>
+              <a:t>نشاط </a:t>
+            </a:r>
+            <a:r>
+              <a:rPr lang="ar-DZ" sz="4000" b="1" u="sng" dirty="0" smtClean="0">
+                <a:solidFill>
+                  <a:srgbClr val="FF0000"/>
+                </a:solidFill>
+                <a:latin typeface="Calibri" panose="020F0502020204030204" pitchFamily="34" charset="0"/>
+                <a:ea typeface="Times New Roman" panose="02020603050405020304" pitchFamily="18" charset="0"/>
+                <a:cs typeface="Times New Roman" panose="02020603050405020304" pitchFamily="18" charset="0"/>
+              </a:rPr>
+              <a:t>02 :</a:t>
+            </a:r>
+            <a:endParaRPr lang="fr-FR" sz="3200" b="1" dirty="0">
+              <a:effectLst/>
+              <a:latin typeface="Calibri" panose="020F0502020204030204" pitchFamily="34" charset="0"/>
+              <a:ea typeface="Times New Roman" panose="02020603050405020304" pitchFamily="18" charset="0"/>
+              <a:cs typeface="Arial" panose="020B0604020202020204" pitchFamily="34" charset="0"/>
+            </a:endParaRPr>
+          </a:p>
+        </p:txBody>
+      </p:sp>
+      <p:sp>
+        <p:nvSpPr>
+          <p:cNvPr id="8" name="Rectangle 7"/>
+          <p:cNvSpPr/>
+          <p:nvPr/>
+        </p:nvSpPr>
+        <p:spPr>
+          <a:xfrm>
+            <a:off x="3756" y="1093293"/>
+            <a:ext cx="11966713" cy="3539430"/>
+          </a:xfrm>
+          <a:prstGeom prst="rect">
+            <a:avLst/>
+          </a:prstGeom>
+        </p:spPr>
+        <p:txBody>
+          <a:bodyPr wrap="square">
+            <a:spAutoFit/>
+          </a:bodyPr>
+          <a:lstStyle/>
+          <a:p>
+            <a:pPr marL="457200" indent="-457200" algn="r" rtl="1">
+              <a:buFont typeface="Wingdings" panose="05000000000000000000" pitchFamily="2" charset="2"/>
+              <a:buChar char="Ø"/>
+            </a:pPr>
+            <a:r>
+              <a:rPr lang="ar-DZ" sz="3200" dirty="0" smtClean="0"/>
+              <a:t>لو </a:t>
+            </a:r>
+            <a:r>
+              <a:rPr lang="ar-DZ" sz="3200" dirty="0"/>
+              <a:t>نأخذ هذه </a:t>
+            </a:r>
+            <a:r>
+              <a:rPr lang="ar-DZ" sz="3200" dirty="0" smtClean="0"/>
+              <a:t>الصفحة، </a:t>
+            </a:r>
+            <a:r>
+              <a:rPr lang="ar-DZ" sz="3200" dirty="0"/>
+              <a:t>هل يمكن إيجاد </a:t>
+            </a:r>
+            <a:endParaRPr lang="ar-DZ" sz="3200" dirty="0" smtClean="0"/>
+          </a:p>
+          <a:p>
+            <a:pPr lvl="1" algn="r" rtl="1"/>
+            <a:r>
+              <a:rPr lang="ar-DZ" sz="3200" dirty="0" smtClean="0"/>
+              <a:t>موضعها </a:t>
+            </a:r>
+            <a:r>
+              <a:rPr lang="ar-DZ" sz="3200" dirty="0"/>
+              <a:t>في الكتاب، كيف علمت ذلك ؟ </a:t>
+            </a:r>
+            <a:endParaRPr lang="ar-DZ" sz="3200" dirty="0" smtClean="0"/>
+          </a:p>
+          <a:p>
+            <a:pPr lvl="1" algn="r" rtl="1"/>
+            <a:endParaRPr lang="ar-DZ" sz="3200" dirty="0"/>
+          </a:p>
+          <a:p>
+            <a:pPr marL="457200" indent="-457200" algn="r" rtl="1">
+              <a:buFont typeface="Wingdings" panose="05000000000000000000" pitchFamily="2" charset="2"/>
+              <a:buChar char="Ø"/>
+            </a:pPr>
+            <a:r>
+              <a:rPr lang="ar-DZ" sz="3200" dirty="0" smtClean="0"/>
+              <a:t>برأيك </a:t>
+            </a:r>
+            <a:r>
+              <a:rPr lang="ar-DZ" sz="3200" dirty="0"/>
+              <a:t>إذن كيف نسمي أرقام الصفحات </a:t>
+            </a:r>
+            <a:endParaRPr lang="ar-DZ" sz="3200" dirty="0" smtClean="0"/>
+          </a:p>
+          <a:p>
+            <a:pPr lvl="1" algn="r" rtl="1"/>
+            <a:r>
+              <a:rPr lang="ar-DZ" sz="3200" dirty="0" smtClean="0"/>
+              <a:t>باللغة </a:t>
+            </a:r>
+            <a:r>
+              <a:rPr lang="ar-DZ" sz="3200" dirty="0"/>
+              <a:t>الفرنسية ؟ </a:t>
+            </a:r>
+            <a:endParaRPr lang="ar-DZ" sz="3200" dirty="0" smtClean="0"/>
+          </a:p>
+          <a:p>
+            <a:pPr lvl="1" algn="r" rtl="1"/>
+            <a:endParaRPr lang="ar-DZ" sz="3200" dirty="0"/>
+          </a:p>
+          <a:p>
+            <a:pPr marL="457200" indent="-457200" algn="r" rtl="1">
+              <a:buFont typeface="Wingdings" panose="05000000000000000000" pitchFamily="2" charset="2"/>
+              <a:buChar char="Ø"/>
+            </a:pPr>
+            <a:r>
+              <a:rPr lang="ar-DZ" sz="3200" dirty="0" smtClean="0"/>
+              <a:t>قم </a:t>
+            </a:r>
+            <a:r>
+              <a:rPr lang="ar-DZ" sz="3200" dirty="0"/>
+              <a:t>بالبحث إذن عن مراحل إدراج أرقام </a:t>
+            </a:r>
+            <a:r>
+              <a:rPr lang="ar-DZ" sz="3200" dirty="0" smtClean="0"/>
+              <a:t>الصفحات.</a:t>
+            </a:r>
+            <a:endParaRPr lang="ar-DZ" sz="3200" dirty="0"/>
+          </a:p>
+        </p:txBody>
+      </p:sp>
+      <p:pic>
+        <p:nvPicPr>
+          <p:cNvPr id="9" name="Image 8" descr="Capture5.PNG"/>
+          <p:cNvPicPr/>
+          <p:nvPr/>
+        </p:nvPicPr>
+        <p:blipFill>
+          <a:blip r:embed="rId3" cstate="print">
+            <a:extLst>
+              <a:ext uri="{28A0092B-C50C-407E-A947-70E740481C1C}">
+                <a14:useLocalDpi xmlns:a14="http://schemas.microsoft.com/office/drawing/2010/main" val="0"/>
+              </a:ext>
+            </a:extLst>
+          </a:blip>
+          <a:stretch>
+            <a:fillRect/>
+          </a:stretch>
+        </p:blipFill>
+        <p:spPr>
+          <a:xfrm>
+            <a:off x="0" y="0"/>
+            <a:ext cx="4949371" cy="6574971"/>
+          </a:xfrm>
+          <a:prstGeom prst="rect">
+            <a:avLst/>
+          </a:prstGeom>
+        </p:spPr>
+      </p:pic>
+    </p:spTree>
+    <p:extLst>
+      <p:ext uri="{BB962C8B-B14F-4D97-AF65-F5344CB8AC3E}">
+        <p14:creationId xmlns:p14="http://schemas.microsoft.com/office/powerpoint/2010/main" val="127788640"/>
+      </p:ext>
+    </p:extLst>
+  </p:cSld>
+  <p:clrMapOvr>
+    <a:masterClrMapping/>
+  </p:clrMapOvr>
+  <p:transition spd="slow">
+    <p:push dir="u"/>
+  </p:transition>
+  <p:timing>
+    <p:tnLst>
+      <p:par>
+        <p:cTn id="1" dur="indefinite" restart="never" nodeType="tmRoot"/>
+      </p:par>
+    </p:tnLst>
+  </p:timing>
+</p:sld>
+</file>
+
+<file path=ppt/slides/slide7.xml><?xml version="1.0" encoding="utf-8"?>
+<p:sld xmlns:a="http://schemas.openxmlformats.org/drawingml/2006/main" xmlns:r="http://schemas.openxmlformats.org/officeDocument/2006/relationships" xmlns:p="http://schemas.openxmlformats.org/presentationml/2006/main">
+  <p:cSld>
+    <p:bg>
+      <p:bgPr>
+        <a:solidFill>
+          <a:schemeClr val="bg1"/>
+        </a:solidFill>
+        <a:effectLst/>
+      </p:bgPr>
+    </p:bg>
+    <p:spTree>
+      <p:nvGrpSpPr>
+        <p:cNvPr id="1" name=""/>
+        <p:cNvGrpSpPr/>
+        <p:nvPr/>
+      </p:nvGrpSpPr>
+      <p:grpSpPr>
+        <a:xfrm>
+          <a:off x="0" y="0"/>
+          <a:ext cx="0" cy="0"/>
+          <a:chOff x="0" y="0"/>
+          <a:chExt cx="0" cy="0"/>
+        </a:xfrm>
+      </p:grpSpPr>
+      <p:sp>
+        <p:nvSpPr>
+          <p:cNvPr id="4" name="Rectangle 3"/>
+          <p:cNvSpPr/>
+          <p:nvPr/>
+        </p:nvSpPr>
+        <p:spPr>
+          <a:xfrm>
+            <a:off x="0" y="188214"/>
+            <a:ext cx="11970469" cy="755400"/>
+          </a:xfrm>
+          <a:prstGeom prst="rect">
+            <a:avLst/>
+          </a:prstGeom>
+        </p:spPr>
+        <p:txBody>
+          <a:bodyPr wrap="square">
+            <a:spAutoFit/>
+          </a:bodyPr>
+          <a:lstStyle/>
+          <a:p>
+            <a:pPr algn="r" rtl="1">
+              <a:lnSpc>
+                <a:spcPct val="115000"/>
+              </a:lnSpc>
+              <a:spcAft>
+                <a:spcPts val="1000"/>
+              </a:spcAft>
+            </a:pPr>
+            <a:r>
+              <a:rPr lang="ar-DZ" sz="4000" b="1" u="sng" dirty="0" smtClean="0">
+                <a:solidFill>
+                  <a:srgbClr val="FF0000"/>
+                </a:solidFill>
+                <a:latin typeface="Calibri" panose="020F0502020204030204" pitchFamily="34" charset="0"/>
+                <a:ea typeface="Times New Roman" panose="02020603050405020304" pitchFamily="18" charset="0"/>
+                <a:cs typeface="Times New Roman" panose="02020603050405020304" pitchFamily="18" charset="0"/>
+              </a:rPr>
+              <a:t>نشاط </a:t>
+            </a:r>
+            <a:r>
+              <a:rPr lang="ar-DZ" sz="4000" b="1" u="sng" dirty="0" smtClean="0">
+                <a:solidFill>
+                  <a:srgbClr val="FF0000"/>
+                </a:solidFill>
+                <a:latin typeface="Calibri" panose="020F0502020204030204" pitchFamily="34" charset="0"/>
+                <a:ea typeface="Times New Roman" panose="02020603050405020304" pitchFamily="18" charset="0"/>
+                <a:cs typeface="Times New Roman" panose="02020603050405020304" pitchFamily="18" charset="0"/>
+              </a:rPr>
+              <a:t>03 :</a:t>
+            </a:r>
+            <a:endParaRPr lang="fr-FR" sz="3200" b="1" dirty="0">
+              <a:effectLst/>
+              <a:latin typeface="Calibri" panose="020F0502020204030204" pitchFamily="34" charset="0"/>
+              <a:ea typeface="Times New Roman" panose="02020603050405020304" pitchFamily="18" charset="0"/>
+              <a:cs typeface="Arial" panose="020B0604020202020204" pitchFamily="34" charset="0"/>
+            </a:endParaRPr>
+          </a:p>
+        </p:txBody>
+      </p:sp>
+      <p:sp>
+        <p:nvSpPr>
+          <p:cNvPr id="8" name="Rectangle 7"/>
+          <p:cNvSpPr/>
+          <p:nvPr/>
+        </p:nvSpPr>
+        <p:spPr>
+          <a:xfrm>
+            <a:off x="3756" y="943614"/>
+            <a:ext cx="11966713" cy="1077218"/>
+          </a:xfrm>
+          <a:prstGeom prst="rect">
+            <a:avLst/>
+          </a:prstGeom>
+        </p:spPr>
+        <p:txBody>
+          <a:bodyPr wrap="square">
+            <a:spAutoFit/>
+          </a:bodyPr>
+          <a:lstStyle/>
+          <a:p>
+            <a:pPr algn="r" rtl="1"/>
+            <a:r>
+              <a:rPr lang="ar-DZ" sz="3200" dirty="0" smtClean="0"/>
+              <a:t>نلاحظ </a:t>
+            </a:r>
+            <a:r>
+              <a:rPr lang="ar-DZ" sz="3200" dirty="0"/>
+              <a:t>وجود عنوان يتكرر في أعلى كل الصفحات الأربع، ونلاحظ أيضا وجود موقع إلكتروني يتكرر في أسفل الصفحات.</a:t>
+            </a:r>
+          </a:p>
+        </p:txBody>
+      </p:sp>
+      <p:pic>
+        <p:nvPicPr>
+          <p:cNvPr id="5" name="Image 4"/>
+          <p:cNvPicPr/>
+          <p:nvPr/>
+        </p:nvPicPr>
+        <p:blipFill>
+          <a:blip r:embed="rId3" cstate="print">
+            <a:extLst>
+              <a:ext uri="{28A0092B-C50C-407E-A947-70E740481C1C}">
+                <a14:useLocalDpi xmlns:a14="http://schemas.microsoft.com/office/drawing/2010/main" val="0"/>
+              </a:ext>
+            </a:extLst>
+          </a:blip>
+          <a:srcRect/>
+          <a:stretch>
+            <a:fillRect/>
+          </a:stretch>
+        </p:blipFill>
+        <p:spPr bwMode="auto">
+          <a:xfrm>
+            <a:off x="856342" y="1631902"/>
+            <a:ext cx="5973581" cy="4949371"/>
+          </a:xfrm>
+          <a:prstGeom prst="rect">
+            <a:avLst/>
+          </a:prstGeom>
+          <a:noFill/>
+          <a:ln w="9525">
+            <a:solidFill>
+              <a:srgbClr val="00B0F0"/>
+            </a:solidFill>
+            <a:miter lim="800000"/>
+            <a:headEnd/>
+            <a:tailEnd/>
+          </a:ln>
+        </p:spPr>
+      </p:pic>
+    </p:spTree>
+    <p:extLst>
+      <p:ext uri="{BB962C8B-B14F-4D97-AF65-F5344CB8AC3E}">
+        <p14:creationId xmlns:p14="http://schemas.microsoft.com/office/powerpoint/2010/main" val="3229397622"/>
+      </p:ext>
+    </p:extLst>
+  </p:cSld>
+  <p:clrMapOvr>
+    <a:masterClrMapping/>
+  </p:clrMapOvr>
+  <p:transition spd="slow">
+    <p:push dir="u"/>
+  </p:transition>
+  <p:timing>
+    <p:tnLst>
+      <p:par>
+        <p:cTn id="1" dur="indefinite" restart="never" nodeType="tmRoot"/>
+      </p:par>
+    </p:tnLst>
+  </p:timing>
+</p:sld>
+</file>
+
+<file path=ppt/slides/slide8.xml><?xml version="1.0" encoding="utf-8"?>
 <p:sld xmlns:a="http://schemas.openxmlformats.org/drawingml/2006/main" xmlns:r="http://schemas.openxmlformats.org/officeDocument/2006/relationships" xmlns:p="http://schemas.openxmlformats.org/presentationml/2006/main">
   <p:cSld>
     <p:bg>
@@ -4543,7 +5595,7 @@
         <p:spPr>
           <a:xfrm>
             <a:off x="86536" y="255756"/>
-            <a:ext cx="11780804" cy="5940088"/>
+            <a:ext cx="11780804" cy="5324535"/>
           </a:xfrm>
           <a:prstGeom prst="rect">
             <a:avLst/>
@@ -4574,15 +5626,7 @@
                   <a:srgbClr val="FF0000"/>
                 </a:solidFill>
               </a:rPr>
-              <a:t>الرموز </a:t>
-            </a:r>
-            <a:r>
-              <a:rPr lang="fr-FR" sz="3200" b="1" u="sng" dirty="0" smtClean="0">
-                <a:solidFill>
-                  <a:srgbClr val="FF0000"/>
-                </a:solidFill>
-              </a:rPr>
-              <a:t>Symboles</a:t>
+              <a:t>فاصل الصفحة</a:t>
             </a:r>
             <a:r>
               <a:rPr lang="ar-DZ" sz="3200" b="1" u="sng" dirty="0" smtClean="0">
@@ -4590,7 +5634,15 @@
                   <a:srgbClr val="FF0000"/>
                 </a:solidFill>
               </a:rPr>
-              <a:t> :</a:t>
+              <a:t> </a:t>
+            </a:r>
+            <a:r>
+              <a:rPr lang="ar-DZ" sz="3200" b="1" u="sng" dirty="0" smtClean="0">
+                <a:solidFill>
+                  <a:srgbClr val="FF0000"/>
+                </a:solidFill>
+              </a:rPr>
+              <a:t>:</a:t>
             </a:r>
             <a:endParaRPr lang="fr-FR" sz="3200" b="1" dirty="0">
               <a:solidFill>
@@ -4599,130 +5651,67 @@
             </a:endParaRPr>
           </a:p>
           <a:p>
+            <a:pPr algn="r" rtl="1"/>
+            <a:r>
+              <a:rPr lang="ar-DZ" sz="3200" u="sng" dirty="0">
+                <a:solidFill>
+                  <a:srgbClr val="00B050"/>
+                </a:solidFill>
+              </a:rPr>
+              <a:t>فاصل الصفحة </a:t>
+            </a:r>
+            <a:r>
+              <a:rPr lang="ar-DZ" sz="3200" u="sng" dirty="0" smtClean="0">
+                <a:solidFill>
+                  <a:srgbClr val="00B050"/>
+                </a:solidFill>
+              </a:rPr>
+              <a:t>:</a:t>
+            </a:r>
+            <a:r>
+              <a:rPr lang="ar-DZ" sz="3200" dirty="0" smtClean="0">
+                <a:solidFill>
+                  <a:srgbClr val="00B050"/>
+                </a:solidFill>
+              </a:rPr>
+              <a:t> </a:t>
+            </a:r>
+            <a:r>
+              <a:rPr lang="ar-DZ" sz="3200" dirty="0" smtClean="0"/>
+              <a:t>هو </a:t>
+            </a:r>
+            <a:r>
+              <a:rPr lang="ar-DZ" sz="3200" dirty="0"/>
+              <a:t>الانتقال إلى صفحة جديدة قبل الانتهاء من الصفحة الحالية. </a:t>
+            </a:r>
+          </a:p>
+          <a:p>
             <a:pPr marL="457200" indent="-457200" algn="r" rtl="1">
-              <a:spcAft>
-                <a:spcPts val="800"/>
-              </a:spcAft>
               <a:buFont typeface="Arial" panose="020B0604020202020204" pitchFamily="34" charset="0"/>
               <a:buChar char="•"/>
             </a:pPr>
             <a:r>
-              <a:rPr lang="ar-DZ" sz="3200" dirty="0" smtClean="0"/>
-              <a:t>ت</a:t>
-            </a:r>
-            <a:r>
-              <a:rPr lang="ar-SA" sz="3200" dirty="0"/>
-              <a:t>بويب الإدراج</a:t>
-            </a:r>
-            <a:r>
               <a:rPr lang="ar-DZ" sz="3200" dirty="0"/>
-              <a:t> (</a:t>
+              <a:t>التبويب إدراج </a:t>
             </a:r>
             <a:r>
               <a:rPr lang="fr-FR" sz="3200" dirty="0"/>
-              <a:t>Insertion</a:t>
-            </a:r>
-            <a:r>
-              <a:rPr lang="ar-DZ" sz="3200" dirty="0"/>
-              <a:t>)</a:t>
-            </a:r>
-            <a:endParaRPr lang="fr-FR" sz="3200" dirty="0"/>
+              <a:t>Insertion </a:t>
+            </a:r>
           </a:p>
           <a:p>
             <a:pPr marL="457200" indent="-457200" algn="r" rtl="1">
-              <a:spcAft>
-                <a:spcPts val="800"/>
-              </a:spcAft>
               <a:buFont typeface="Arial" panose="020B0604020202020204" pitchFamily="34" charset="0"/>
               <a:buChar char="•"/>
             </a:pPr>
             <a:r>
-              <a:rPr lang="ar-DZ" sz="3200" dirty="0" smtClean="0"/>
-              <a:t>التعليمة </a:t>
-            </a:r>
-            <a:r>
               <a:rPr lang="ar-DZ" sz="3200" dirty="0"/>
-              <a:t>رمز</a:t>
+              <a:t>التعليمة فاصل الصفحة </a:t>
             </a:r>
             <a:r>
               <a:rPr lang="fr-FR" sz="3200" dirty="0"/>
-              <a:t>  </a:t>
-            </a:r>
-            <a:r>
-              <a:rPr lang="ar-DZ" sz="3200" dirty="0"/>
-              <a:t> (</a:t>
-            </a:r>
-            <a:r>
-              <a:rPr lang="fr-FR" sz="3200" dirty="0"/>
-              <a:t>Symbole</a:t>
-            </a:r>
-            <a:r>
-              <a:rPr lang="ar-DZ" sz="3200" dirty="0"/>
-              <a:t>)</a:t>
-            </a:r>
-            <a:endParaRPr lang="fr-FR" sz="3200" dirty="0"/>
-          </a:p>
-          <a:p>
-            <a:pPr marL="457200" indent="-457200" algn="r" rtl="1">
-              <a:spcAft>
-                <a:spcPts val="800"/>
-              </a:spcAft>
-              <a:buFont typeface="Arial" panose="020B0604020202020204" pitchFamily="34" charset="0"/>
-              <a:buChar char="•"/>
-              <a:tabLst>
-                <a:tab pos="561340" algn="l"/>
-              </a:tabLst>
-            </a:pPr>
-            <a:r>
-              <a:rPr lang="ar-SA" sz="3200" dirty="0" smtClean="0"/>
-              <a:t>رموز </a:t>
-            </a:r>
-            <a:r>
-              <a:rPr lang="ar-SA" sz="3200" dirty="0"/>
-              <a:t>أخرى (</a:t>
-            </a:r>
-            <a:r>
-              <a:rPr lang="fr-FR" sz="3200" dirty="0"/>
-              <a:t>Autres Symboles</a:t>
-            </a:r>
-            <a:r>
-              <a:rPr lang="ar-SA" sz="3200" dirty="0"/>
-              <a:t>)</a:t>
-            </a:r>
-            <a:endParaRPr lang="fr-FR" sz="3200" dirty="0"/>
-          </a:p>
-          <a:p>
-            <a:pPr marL="457200" indent="-457200" algn="r" rtl="1">
-              <a:spcAft>
-                <a:spcPts val="800"/>
-              </a:spcAft>
-              <a:buFont typeface="Arial" panose="020B0604020202020204" pitchFamily="34" charset="0"/>
-              <a:buChar char="•"/>
-              <a:tabLst>
-                <a:tab pos="561340" algn="l"/>
-              </a:tabLst>
-            </a:pPr>
-            <a:r>
-              <a:rPr lang="ar-DZ" sz="3200" dirty="0" smtClean="0"/>
-              <a:t>نبحث </a:t>
-            </a:r>
-            <a:r>
-              <a:rPr lang="ar-DZ" sz="3200" dirty="0"/>
-              <a:t>على</a:t>
-            </a:r>
-            <a:r>
-              <a:rPr lang="ar-SA" sz="3200" dirty="0"/>
-              <a:t> الرمز الذي نريده ثم ننقر على (</a:t>
-            </a:r>
-            <a:r>
-              <a:rPr lang="fr-FR" sz="3200" dirty="0"/>
-              <a:t>Insérer</a:t>
-            </a:r>
-            <a:r>
-              <a:rPr lang="ar-SA" sz="3200" dirty="0" smtClean="0"/>
-              <a:t>)</a:t>
-            </a:r>
-            <a:endParaRPr lang="fr-FR" sz="3200" dirty="0"/>
+              <a:t>Saut de page</a:t>
+            </a:r>
           </a:p>
           <a:p>
             <a:pPr algn="r" rtl="1">
@@ -4751,7 +5740,15 @@
                   <a:srgbClr val="FF0000"/>
                 </a:solidFill>
               </a:rPr>
-              <a:t>2- إدراج عبارات رياضية :</a:t>
+              <a:t>2- إدراج </a:t>
+            </a:r>
+            <a:r>
+              <a:rPr lang="ar-DZ" sz="3200" b="1" u="sng" dirty="0" smtClean="0">
+                <a:solidFill>
+                  <a:srgbClr val="FF0000"/>
+                </a:solidFill>
+              </a:rPr>
+              <a:t>أرقام الصفحات :</a:t>
             </a:r>
             <a:endParaRPr lang="fr-FR" sz="3200" b="1" dirty="0">
               <a:solidFill>
@@ -4761,200 +5758,54 @@
           </a:p>
           <a:p>
             <a:pPr marL="457200" indent="-457200" algn="r" rtl="1">
-              <a:spcAft>
-                <a:spcPts val="800"/>
-              </a:spcAft>
               <a:buFont typeface="Arial" panose="020B0604020202020204" pitchFamily="34" charset="0"/>
               <a:buChar char="•"/>
             </a:pPr>
             <a:r>
-              <a:rPr lang="ar-DZ" sz="3200" dirty="0" smtClean="0"/>
-              <a:t>ت</a:t>
-            </a:r>
-            <a:r>
-              <a:rPr lang="ar-SA" sz="3200" dirty="0" smtClean="0"/>
-              <a:t>بويب </a:t>
-            </a:r>
-            <a:r>
-              <a:rPr lang="ar-SA" sz="3200" dirty="0"/>
-              <a:t>الإدراج </a:t>
-            </a:r>
-            <a:r>
               <a:rPr lang="ar-DZ" sz="3200" dirty="0"/>
-              <a:t>(</a:t>
+              <a:t>التبويب </a:t>
             </a:r>
             <a:r>
               <a:rPr lang="fr-FR" sz="3200" dirty="0"/>
-              <a:t>Insertion</a:t>
-            </a:r>
-            <a:r>
-              <a:rPr lang="ar-DZ" sz="3200" dirty="0"/>
-              <a:t>)</a:t>
-            </a:r>
-            <a:endParaRPr lang="fr-FR" sz="3200" dirty="0"/>
+              <a:t>Insertion </a:t>
+            </a:r>
           </a:p>
           <a:p>
             <a:pPr marL="457200" indent="-457200" algn="r" rtl="1">
-              <a:spcAft>
-                <a:spcPts val="800"/>
-              </a:spcAft>
               <a:buFont typeface="Arial" panose="020B0604020202020204" pitchFamily="34" charset="0"/>
               <a:buChar char="•"/>
             </a:pPr>
             <a:r>
-              <a:rPr lang="ar-DZ" sz="3200" dirty="0" smtClean="0"/>
-              <a:t>التعليمة </a:t>
-            </a:r>
-            <a:r>
               <a:rPr lang="ar-DZ" sz="3200" dirty="0"/>
-              <a:t>معادلة (</a:t>
+              <a:t>التعليمة أرقام الصفحات </a:t>
             </a:r>
             <a:r>
               <a:rPr lang="fr-FR" sz="3200" dirty="0"/>
-              <a:t>Equation</a:t>
-            </a:r>
-            <a:r>
-              <a:rPr lang="ar-DZ" sz="3200" dirty="0" smtClean="0"/>
-              <a:t>)</a:t>
-            </a:r>
-            <a:endParaRPr lang="fr-FR" sz="3200" dirty="0" smtClean="0"/>
-          </a:p>
-          <a:p>
-            <a:pPr marL="457200" lvl="0" indent="-457200" algn="r" rtl="1">
-              <a:spcAft>
-                <a:spcPts val="800"/>
-              </a:spcAft>
+              <a:t>Numéros de page </a:t>
+            </a:r>
+          </a:p>
+          <a:p>
+            <a:pPr marL="457200" indent="-457200" algn="r" rtl="1">
               <a:buFont typeface="Arial" panose="020B0604020202020204" pitchFamily="34" charset="0"/>
               <a:buChar char="•"/>
             </a:pPr>
             <a:r>
-              <a:rPr lang="ar-DZ" sz="3200" dirty="0" smtClean="0">
-                <a:latin typeface="Times New Roman" panose="02020603050405020304" pitchFamily="18" charset="0"/>
-                <a:ea typeface="Calibri" panose="020F0502020204030204" pitchFamily="34" charset="0"/>
-                <a:cs typeface="Times New Roman" panose="02020603050405020304" pitchFamily="18" charset="0"/>
-              </a:rPr>
-              <a:t>نكتب </a:t>
-            </a:r>
-            <a:r>
-              <a:rPr lang="ar-DZ" sz="3200" dirty="0">
-                <a:latin typeface="Times New Roman" panose="02020603050405020304" pitchFamily="18" charset="0"/>
-                <a:ea typeface="Calibri" panose="020F0502020204030204" pitchFamily="34" charset="0"/>
-                <a:cs typeface="Times New Roman" panose="02020603050405020304" pitchFamily="18" charset="0"/>
-              </a:rPr>
-              <a:t>العبارة التي نريدها بالاعتماد على التبويب الجديد</a:t>
-            </a:r>
-            <a:r>
-              <a:rPr lang="fr-FR" sz="3200" dirty="0">
-                <a:latin typeface="Times New Roman" panose="02020603050405020304" pitchFamily="18" charset="0"/>
-                <a:ea typeface="Calibri" panose="020F0502020204030204" pitchFamily="34" charset="0"/>
-                <a:cs typeface="Times New Roman" panose="02020603050405020304" pitchFamily="18" charset="0"/>
-              </a:rPr>
-              <a:t> </a:t>
-            </a:r>
-            <a:r>
-              <a:rPr lang="fr-FR" sz="3200" dirty="0" smtClean="0">
-                <a:latin typeface="Times New Roman" panose="02020603050405020304" pitchFamily="18" charset="0"/>
-                <a:ea typeface="Calibri" panose="020F0502020204030204" pitchFamily="34" charset="0"/>
-                <a:cs typeface="Times New Roman" panose="02020603050405020304" pitchFamily="18" charset="0"/>
-              </a:rPr>
-              <a:t>Conception</a:t>
-            </a:r>
-            <a:r>
-              <a:rPr lang="fr-FR" sz="3200" dirty="0">
-                <a:latin typeface="Times New Roman" panose="02020603050405020304" pitchFamily="18" charset="0"/>
-                <a:ea typeface="Calibri" panose="020F0502020204030204" pitchFamily="34" charset="0"/>
-                <a:cs typeface="Times New Roman" panose="02020603050405020304" pitchFamily="18" charset="0"/>
-              </a:rPr>
-              <a:t> </a:t>
-            </a:r>
-            <a:endParaRPr lang="fr-FR" sz="3200" dirty="0">
-              <a:latin typeface="Arial" panose="020B0604020202020204" pitchFamily="34" charset="0"/>
-            </a:endParaRPr>
-          </a:p>
-        </p:txBody>
-      </p:sp>
-      <p:pic>
-        <p:nvPicPr>
-          <p:cNvPr id="2049" name="Image 10"/>
-          <p:cNvPicPr>
-            <a:picLocks noChangeAspect="1" noChangeArrowheads="1"/>
-          </p:cNvPicPr>
-          <p:nvPr/>
-        </p:nvPicPr>
-        <p:blipFill>
-          <a:blip r:embed="rId2">
-            <a:extLst>
-              <a:ext uri="{28A0092B-C50C-407E-A947-70E740481C1C}">
-                <a14:useLocalDpi xmlns:a14="http://schemas.microsoft.com/office/drawing/2010/main" val="0"/>
-              </a:ext>
-            </a:extLst>
-          </a:blip>
-          <a:srcRect/>
-          <a:stretch>
-            <a:fillRect/>
-          </a:stretch>
-        </p:blipFill>
-        <p:spPr bwMode="auto">
-          <a:xfrm>
-            <a:off x="6891129" y="5042115"/>
-            <a:ext cx="595588" cy="465959"/>
-          </a:xfrm>
-          <a:prstGeom prst="rect">
-            <a:avLst/>
-          </a:prstGeom>
-          <a:noFill/>
-          <a:extLst>
-            <a:ext uri="{909E8E84-426E-40DD-AFC4-6F175D3DCCD1}">
-              <a14:hiddenFill xmlns:a14="http://schemas.microsoft.com/office/drawing/2010/main">
-                <a:solidFill>
-                  <a:srgbClr val="FFFFFF"/>
-                </a:solidFill>
-              </a14:hiddenFill>
-            </a:ext>
-          </a:extLst>
-        </p:spPr>
-      </p:pic>
-      <p:pic>
-        <p:nvPicPr>
-          <p:cNvPr id="2050" name="Image 9"/>
-          <p:cNvPicPr>
-            <a:picLocks noChangeAspect="1" noChangeArrowheads="1"/>
-          </p:cNvPicPr>
-          <p:nvPr/>
-        </p:nvPicPr>
-        <p:blipFill>
-          <a:blip r:embed="rId3">
-            <a:extLst>
-              <a:ext uri="{28A0092B-C50C-407E-A947-70E740481C1C}">
-                <a14:useLocalDpi xmlns:a14="http://schemas.microsoft.com/office/drawing/2010/main" val="0"/>
-              </a:ext>
-            </a:extLst>
-          </a:blip>
-          <a:srcRect/>
-          <a:stretch>
-            <a:fillRect/>
-          </a:stretch>
-        </p:blipFill>
-        <p:spPr bwMode="auto">
-          <a:xfrm>
-            <a:off x="6891129" y="1444487"/>
-            <a:ext cx="724872" cy="611740"/>
-          </a:xfrm>
-          <a:prstGeom prst="rect">
-            <a:avLst/>
-          </a:prstGeom>
-          <a:noFill/>
-          <a:extLst>
-            <a:ext uri="{909E8E84-426E-40DD-AFC4-6F175D3DCCD1}">
-              <a14:hiddenFill xmlns:a14="http://schemas.microsoft.com/office/drawing/2010/main">
-                <a:solidFill>
-                  <a:srgbClr val="FFFFFF"/>
-                </a:solidFill>
-              </a14:hiddenFill>
-            </a:ext>
-          </a:extLst>
-        </p:spPr>
-      </p:pic>
+              <a:rPr lang="ar-DZ" sz="3200" dirty="0"/>
+              <a:t>نختار مكان الترقيم (في الأعلى، في الأسفل أو على الهامش) </a:t>
+            </a:r>
+          </a:p>
+          <a:p>
+            <a:pPr marL="457200" indent="-457200" algn="r" rtl="1">
+              <a:buFont typeface="Arial" panose="020B0604020202020204" pitchFamily="34" charset="0"/>
+              <a:buChar char="•"/>
+            </a:pPr>
+            <a:r>
+              <a:rPr lang="ar-DZ" sz="3200" dirty="0"/>
+              <a:t>نختار نمط الترقيم</a:t>
+            </a:r>
+          </a:p>
+        </p:txBody>
+      </p:sp>
     </p:spTree>
     <p:extLst>
       <p:ext uri="{BB962C8B-B14F-4D97-AF65-F5344CB8AC3E}">
@@ -4975,14 +5826,26 @@
 </p:sld>
 </file>
 
-<file path=ppt/slides/slide5.xml><?xml version="1.0" encoding="utf-8"?>
+<file path=ppt/slides/slide9.xml><?xml version="1.0" encoding="utf-8"?>
 <p:sld xmlns:a="http://schemas.openxmlformats.org/drawingml/2006/main" xmlns:r="http://schemas.openxmlformats.org/officeDocument/2006/relationships" xmlns:p="http://schemas.openxmlformats.org/presentationml/2006/main">
   <p:cSld>
     <p:bg>
       <p:bgPr>
-        <a:solidFill>
-          <a:schemeClr val="bg1"/>
-        </a:solidFill>
+        <a:gradFill flip="none" rotWithShape="1">
+          <a:gsLst>
+            <a:gs pos="0">
+              <a:schemeClr val="bg1"/>
+            </a:gs>
+            <a:gs pos="100000">
+              <a:schemeClr val="accent1">
+                <a:lumMod val="20000"/>
+                <a:lumOff val="80000"/>
+              </a:schemeClr>
+            </a:gs>
+          </a:gsLst>
+          <a:lin ang="5400000" scaled="1"/>
+          <a:tileRect/>
+        </a:gradFill>
         <a:effectLst/>
       </p:bgPr>
     </p:bg>
@@ -5002,14 +5865,14 @@
       </p:grpSpPr>
       <p:sp>
         <p:nvSpPr>
-          <p:cNvPr id="4" name="Rectangle 3"/>
+          <p:cNvPr id="3" name="Rectangle 2"/>
           <p:cNvSpPr/>
           <p:nvPr/>
         </p:nvSpPr>
         <p:spPr>
           <a:xfrm>
-            <a:off x="92765" y="104310"/>
-            <a:ext cx="11859904" cy="769441"/>
+            <a:off x="86536" y="255756"/>
+            <a:ext cx="11780804" cy="2164695"/>
           </a:xfrm>
           <a:prstGeom prst="rect">
             <a:avLst/>
@@ -5023,207 +5886,148 @@
           <a:p>
             <a:pPr algn="r" rtl="1">
               <a:spcAft>
-                <a:spcPts val="1000"/>
+                <a:spcPts val="800"/>
               </a:spcAft>
             </a:pPr>
             <a:r>
-              <a:rPr lang="ar-DZ" sz="4400" b="1" u="sng" dirty="0" smtClean="0">
+              <a:rPr lang="ar-DZ" sz="3200" b="1" u="sng" dirty="0" smtClean="0">
                 <a:solidFill>
                   <a:srgbClr val="FF0000"/>
                 </a:solidFill>
-                <a:latin typeface="Calibri" panose="020F0502020204030204" pitchFamily="34" charset="0"/>
-                <a:ea typeface="Times New Roman" panose="02020603050405020304" pitchFamily="18" charset="0"/>
-                <a:cs typeface="Times New Roman" panose="02020603050405020304" pitchFamily="18" charset="0"/>
               </a:rPr>
-              <a:t>تدريب :</a:t>
-            </a:r>
-          </a:p>
-        </p:txBody>
-      </p:sp>
-      <mc:AlternateContent xmlns:mc="http://schemas.openxmlformats.org/markup-compatibility/2006">
-        <mc:Choice xmlns:a14="http://schemas.microsoft.com/office/drawing/2010/main" Requires="a14">
-          <p:sp>
-            <p:nvSpPr>
-              <p:cNvPr id="3" name="Rectangle 2"/>
-              <p:cNvSpPr/>
-              <p:nvPr/>
-            </p:nvSpPr>
-            <p:spPr>
-              <a:xfrm>
-                <a:off x="622852" y="993020"/>
-                <a:ext cx="11329817" cy="3645742"/>
-              </a:xfrm>
-              <a:prstGeom prst="rect">
-                <a:avLst/>
-              </a:prstGeom>
-            </p:spPr>
-            <p:txBody>
-              <a:bodyPr wrap="square">
-                <a:spAutoFit/>
-              </a:bodyPr>
-              <a:lstStyle/>
-              <a:p>
-                <a:pPr algn="r" rtl="1"/>
-                <a:r>
-                  <a:rPr lang="ar-DZ" sz="3600" dirty="0"/>
-                  <a:t>لنحاول كتابة ما يلي في برنامج </a:t>
-                </a:r>
-                <a:r>
-                  <a:rPr lang="fr-FR" sz="3600" dirty="0"/>
-                  <a:t>Word</a:t>
-                </a:r>
-                <a:r>
-                  <a:rPr lang="ar-DZ" sz="3600" dirty="0"/>
-                  <a:t> </a:t>
-                </a:r>
-                <a:r>
-                  <a:rPr lang="ar-DZ" sz="3600" dirty="0" smtClean="0"/>
-                  <a:t>:</a:t>
-                </a:r>
-              </a:p>
-              <a:p>
-                <a:pPr algn="r" rtl="1"/>
-                <a:endParaRPr lang="fr-FR" sz="3600" dirty="0"/>
-              </a:p>
-              <a:p>
-                <a:pPr marL="571500" indent="-571500" algn="r" rtl="1">
-                  <a:buFont typeface="Wingdings" panose="05000000000000000000" pitchFamily="2" charset="2"/>
-                  <a:buChar char="ü"/>
-                </a:pPr>
-                <a:r>
-                  <a:rPr lang="fr-FR" sz="3600" dirty="0"/>
-                  <a:t>1 $ = 140 DA</a:t>
-                </a:r>
-              </a:p>
-              <a:p>
-                <a:pPr marL="571500" lvl="0" indent="-571500" algn="r" rtl="1">
-                  <a:buFont typeface="Wingdings" panose="05000000000000000000" pitchFamily="2" charset="2"/>
-                  <a:buChar char="ü"/>
-                </a:pPr>
-                <a:r>
-                  <a:rPr lang="fr-FR" sz="3600" dirty="0"/>
-                  <a:t>100 = 50 + 50</a:t>
-                </a:r>
-              </a:p>
-              <a:p>
-                <a:pPr marL="571500" lvl="0" indent="-571500" algn="r" rtl="1">
-                  <a:buFont typeface="Wingdings" panose="05000000000000000000" pitchFamily="2" charset="2"/>
-                  <a:buChar char="ü"/>
-                </a:pPr>
-                <a14:m>
-                  <m:oMath xmlns:m="http://schemas.openxmlformats.org/officeDocument/2006/math">
-                    <m:r>
-                      <a:rPr lang="fr-FR" sz="3600" i="1"/>
-                      <m:t>20</m:t>
-                    </m:r>
-                    <m:r>
-                      <a:rPr lang="fr-FR" sz="3600" i="1"/>
-                      <m:t>&lt;</m:t>
-                    </m:r>
-                    <m:r>
-                      <a:rPr lang="fr-FR" sz="3600" i="1"/>
-                      <m:t>30</m:t>
-                    </m:r>
-                    <m:r>
-                      <a:rPr lang="fr-FR" sz="3600" i="1"/>
-                      <m:t>&lt;</m:t>
-                    </m:r>
-                    <m:r>
-                      <a:rPr lang="fr-FR" sz="3600" i="1"/>
-                      <m:t>40</m:t>
-                    </m:r>
-                  </m:oMath>
-                </a14:m>
-                <a:endParaRPr lang="fr-FR" sz="3600" dirty="0"/>
-              </a:p>
-              <a:p>
-                <a:pPr marL="571500" indent="-571500" algn="r" rtl="1">
-                  <a:buFont typeface="Wingdings" panose="05000000000000000000" pitchFamily="2" charset="2"/>
-                  <a:buChar char="ü"/>
-                </a:pPr>
-                <a:r>
-                  <a:rPr lang="fr-FR" sz="3600" dirty="0"/>
-                  <a:t>  </a:t>
-                </a:r>
-                <a14:m>
-                  <m:oMath xmlns:m="http://schemas.openxmlformats.org/officeDocument/2006/math">
-                    <m:f>
-                      <m:fPr>
-                        <m:ctrlPr>
-                          <a:rPr lang="fr-FR" sz="3600" i="1"/>
-                        </m:ctrlPr>
-                      </m:fPr>
-                      <m:num>
-                        <m:r>
-                          <a:rPr lang="fr-FR" sz="3600" i="1"/>
-                          <m:t>100</m:t>
-                        </m:r>
-                      </m:num>
-                      <m:den>
-                        <m:r>
-                          <a:rPr lang="fr-FR" sz="3600" i="1"/>
-                          <m:t>2</m:t>
-                        </m:r>
-                      </m:den>
-                    </m:f>
-                    <m:r>
-                      <a:rPr lang="fr-FR" sz="3600" i="1"/>
-                      <m:t>=</m:t>
-                    </m:r>
-                    <m:r>
-                      <a:rPr lang="fr-FR" sz="3600" i="1"/>
-                      <m:t>50</m:t>
-                    </m:r>
-                  </m:oMath>
-                </a14:m>
-                <a:endParaRPr lang="ar-DZ" sz="3600" dirty="0"/>
-              </a:p>
-            </p:txBody>
-          </p:sp>
-        </mc:Choice>
-        <mc:Fallback>
-          <p:sp>
-            <p:nvSpPr>
-              <p:cNvPr id="3" name="Rectangle 2"/>
-              <p:cNvSpPr>
-                <a:spLocks noRot="1" noChangeAspect="1" noMove="1" noResize="1" noEditPoints="1" noAdjustHandles="1" noChangeArrowheads="1" noChangeShapeType="1" noTextEdit="1"/>
-              </p:cNvSpPr>
-              <p:nvPr/>
-            </p:nvSpPr>
-            <p:spPr>
-              <a:xfrm>
-                <a:off x="622852" y="993020"/>
-                <a:ext cx="11329817" cy="3645742"/>
-              </a:xfrm>
-              <a:prstGeom prst="rect">
-                <a:avLst/>
-              </a:prstGeom>
-              <a:blipFill rotWithShape="0">
-                <a:blip r:embed="rId2"/>
-                <a:stretch>
-                  <a:fillRect t="-3010" r="-1614" b="-1171"/>
-                </a:stretch>
-              </a:blipFill>
-            </p:spPr>
-            <p:txBody>
-              <a:bodyPr/>
-              <a:lstStyle/>
-              <a:p>
-                <a:r>
-                  <a:rPr lang="fr-FR">
-                    <a:noFill/>
-                  </a:rPr>
-                  <a:t> </a:t>
-                </a:r>
-              </a:p>
-            </p:txBody>
-          </p:sp>
-        </mc:Fallback>
-      </mc:AlternateContent>
+              <a:t>3- </a:t>
+            </a:r>
+            <a:r>
+              <a:rPr lang="ar-DZ" sz="3200" b="1" u="sng" dirty="0">
+                <a:solidFill>
+                  <a:srgbClr val="FF0000"/>
+                </a:solidFill>
+              </a:rPr>
+              <a:t>إدراج </a:t>
+            </a:r>
+            <a:r>
+              <a:rPr lang="ar-DZ" sz="3200" b="1" u="sng" dirty="0" smtClean="0">
+                <a:solidFill>
+                  <a:srgbClr val="FF0000"/>
+                </a:solidFill>
+              </a:rPr>
+              <a:t>رأس و تذييل الصفحة </a:t>
+            </a:r>
+            <a:r>
+              <a:rPr lang="ar-DZ" sz="3200" b="1" u="sng" dirty="0" smtClean="0">
+                <a:solidFill>
+                  <a:srgbClr val="FF0000"/>
+                </a:solidFill>
+              </a:rPr>
+              <a:t>:</a:t>
+            </a:r>
+            <a:endParaRPr lang="fr-FR" sz="3200" b="1" dirty="0">
+              <a:solidFill>
+                <a:srgbClr val="FF0000"/>
+              </a:solidFill>
+            </a:endParaRPr>
+          </a:p>
+          <a:p>
+            <a:pPr algn="r" rtl="1"/>
+            <a:r>
+              <a:rPr lang="ar-DZ" sz="3200" u="sng" dirty="0" smtClean="0">
+                <a:solidFill>
+                  <a:srgbClr val="00B050"/>
+                </a:solidFill>
+              </a:rPr>
+              <a:t>رأس </a:t>
+            </a:r>
+            <a:r>
+              <a:rPr lang="ar-DZ" sz="3200" u="sng" dirty="0">
+                <a:solidFill>
+                  <a:srgbClr val="00B050"/>
+                </a:solidFill>
+              </a:rPr>
+              <a:t>الصفحة :</a:t>
+            </a:r>
+            <a:r>
+              <a:rPr lang="ar-DZ" sz="3200" dirty="0">
+                <a:solidFill>
+                  <a:srgbClr val="00B050"/>
+                </a:solidFill>
+              </a:rPr>
+              <a:t> </a:t>
+            </a:r>
+            <a:r>
+              <a:rPr lang="ar-DZ" sz="3200" dirty="0"/>
+              <a:t>نص يكتب أعلى الصفحة و يتكرر في باقي الصفحات. </a:t>
+            </a:r>
+          </a:p>
+          <a:p>
+            <a:pPr algn="r" rtl="1"/>
+            <a:r>
+              <a:rPr lang="ar-DZ" sz="3200" u="sng" dirty="0">
+                <a:solidFill>
+                  <a:srgbClr val="00B050"/>
+                </a:solidFill>
+              </a:rPr>
+              <a:t>تذييل الصفحة :</a:t>
+            </a:r>
+            <a:r>
+              <a:rPr lang="ar-DZ" sz="3200" dirty="0">
+                <a:solidFill>
+                  <a:srgbClr val="00B050"/>
+                </a:solidFill>
+              </a:rPr>
+              <a:t> </a:t>
+            </a:r>
+            <a:r>
+              <a:rPr lang="ar-DZ" sz="3200" dirty="0"/>
+              <a:t>نص يكتب أسفل الصفحة ويتكرر في كل الصفحات. </a:t>
+            </a:r>
+          </a:p>
+          <a:p>
+            <a:pPr algn="r" rtl="1">
+              <a:spcAft>
+                <a:spcPts val="800"/>
+              </a:spcAft>
+              <a:tabLst>
+                <a:tab pos="561340" algn="l"/>
+              </a:tabLst>
+            </a:pPr>
+            <a:endParaRPr lang="fr-FR" sz="3200" dirty="0"/>
+          </a:p>
+        </p:txBody>
+      </p:sp>
+      <p:pic>
+        <p:nvPicPr>
+          <p:cNvPr id="4" name="Image 3"/>
+          <p:cNvPicPr>
+            <a:picLocks noChangeAspect="1"/>
+          </p:cNvPicPr>
+          <p:nvPr/>
+        </p:nvPicPr>
+        <p:blipFill>
+          <a:blip r:embed="rId2">
+            <a:extLst>
+              <a:ext uri="{28A0092B-C50C-407E-A947-70E740481C1C}">
+                <a14:useLocalDpi xmlns:a14="http://schemas.microsoft.com/office/drawing/2010/main" val="0"/>
+              </a:ext>
+            </a:extLst>
+          </a:blip>
+          <a:stretch>
+            <a:fillRect/>
+          </a:stretch>
+        </p:blipFill>
+        <p:spPr>
+          <a:xfrm>
+            <a:off x="1358132" y="2254114"/>
+            <a:ext cx="10025679" cy="4495029"/>
+          </a:xfrm>
+          <a:prstGeom prst="rect">
+            <a:avLst/>
+          </a:prstGeom>
+        </p:spPr>
+      </p:pic>
     </p:spTree>
     <p:extLst>
       <p:ext uri="{BB962C8B-B14F-4D97-AF65-F5344CB8AC3E}">
-        <p14:creationId xmlns:p14="http://schemas.microsoft.com/office/powerpoint/2010/main" val="1483634635"/>
+        <p14:creationId xmlns:p14="http://schemas.microsoft.com/office/powerpoint/2010/main" val="277135884"/>
       </p:ext>
     </p:extLst>
   </p:cSld>
